--- a/semester 5/sensors_and_actuators/saa_3_loading_effects.pptx
+++ b/semester 5/sensors_and_actuators/saa_3_loading_effects.pptx
@@ -7,31 +7,28 @@
     <p:sldMasterId id="2147483717" r:id="rId3"/>
   </p:sldMasterIdLst>
   <p:notesMasterIdLst>
-    <p:notesMasterId r:id="rId26"/>
+    <p:notesMasterId r:id="rId23"/>
   </p:notesMasterIdLst>
   <p:sldIdLst>
     <p:sldId id="282" r:id="rId4"/>
-    <p:sldId id="270" r:id="rId5"/>
-    <p:sldId id="300" r:id="rId6"/>
-    <p:sldId id="261" r:id="rId7"/>
-    <p:sldId id="303" r:id="rId8"/>
-    <p:sldId id="304" r:id="rId9"/>
-    <p:sldId id="301" r:id="rId10"/>
-    <p:sldId id="305" r:id="rId11"/>
-    <p:sldId id="306" r:id="rId12"/>
-    <p:sldId id="308" r:id="rId13"/>
-    <p:sldId id="307" r:id="rId14"/>
-    <p:sldId id="302" r:id="rId15"/>
-    <p:sldId id="309" r:id="rId16"/>
-    <p:sldId id="310" r:id="rId17"/>
-    <p:sldId id="311" r:id="rId18"/>
-    <p:sldId id="312" r:id="rId19"/>
-    <p:sldId id="314" r:id="rId20"/>
-    <p:sldId id="317" r:id="rId21"/>
-    <p:sldId id="316" r:id="rId22"/>
-    <p:sldId id="318" r:id="rId23"/>
-    <p:sldId id="319" r:id="rId24"/>
-    <p:sldId id="320" r:id="rId25"/>
+    <p:sldId id="300" r:id="rId5"/>
+    <p:sldId id="261" r:id="rId6"/>
+    <p:sldId id="303" r:id="rId7"/>
+    <p:sldId id="304" r:id="rId8"/>
+    <p:sldId id="305" r:id="rId9"/>
+    <p:sldId id="306" r:id="rId10"/>
+    <p:sldId id="308" r:id="rId11"/>
+    <p:sldId id="307" r:id="rId12"/>
+    <p:sldId id="302" r:id="rId13"/>
+    <p:sldId id="309" r:id="rId14"/>
+    <p:sldId id="310" r:id="rId15"/>
+    <p:sldId id="311" r:id="rId16"/>
+    <p:sldId id="312" r:id="rId17"/>
+    <p:sldId id="314" r:id="rId18"/>
+    <p:sldId id="317" r:id="rId19"/>
+    <p:sldId id="316" r:id="rId20"/>
+    <p:sldId id="319" r:id="rId21"/>
+    <p:sldId id="320" r:id="rId22"/>
   </p:sldIdLst>
   <p:sldSz cx="9144000" cy="5759450"/>
   <p:notesSz cx="6858000" cy="9144000"/>
@@ -140,7 +137,6 @@
         </p14:section>
         <p14:section name="Overview" id="{182DAED3-CCFD-4C31-AA6F-577B81206013}">
           <p14:sldIdLst>
-            <p14:sldId id="270"/>
             <p14:sldId id="300"/>
           </p14:sldIdLst>
         </p14:section>
@@ -149,7 +145,6 @@
             <p14:sldId id="261"/>
             <p14:sldId id="303"/>
             <p14:sldId id="304"/>
-            <p14:sldId id="301"/>
             <p14:sldId id="305"/>
             <p14:sldId id="306"/>
           </p14:sldIdLst>
@@ -166,7 +161,6 @@
             <p14:sldId id="314"/>
             <p14:sldId id="317"/>
             <p14:sldId id="316"/>
-            <p14:sldId id="318"/>
             <p14:sldId id="319"/>
             <p14:sldId id="320"/>
           </p14:sldIdLst>
@@ -2615,7 +2609,7 @@
           <a:p>
             <a:fld id="{46697828-BD99-4EE4-B248-B6544F3D4165}" type="datetimeFigureOut">
               <a:rPr lang="en-CH" smtClean="0"/>
-              <a:t>24/12/2023</a:t>
+              <a:t>04/01/2024</a:t>
             </a:fld>
             <a:endParaRPr lang="en-CH"/>
           </a:p>
@@ -3054,7 +3048,7 @@
           <a:p>
             <a:fld id="{9C33268D-4392-4FD3-B33B-AD549935553F}" type="slidenum">
               <a:rPr lang="en-CH" smtClean="0"/>
-              <a:t>11</a:t>
+              <a:t>9</a:t>
             </a:fld>
             <a:endParaRPr lang="en-CH"/>
           </a:p>
@@ -3119,9 +3113,54 @@
           <a:p>
             <a:r>
               <a:rPr lang="en-CH" dirty="0"/>
-              <a:t>LOADING ERROR, WHAT IS IT AND WHY DOES IT NEED TO BE CONSIDERED?</a:t>
-            </a:r>
-            <a:endParaRPr lang="en-CH" b="0" i="0" u="none" dirty="0"/>
+              <a:t>Process Loading is the concept of converting</a:t>
+            </a:r>
+            <a:r>
+              <a:rPr lang="en-CH" b="1" dirty="0"/>
+              <a:t> real inputs </a:t>
+            </a:r>
+            <a:r>
+              <a:rPr lang="en-CH" dirty="0"/>
+              <a:t>into </a:t>
+            </a:r>
+            <a:r>
+              <a:rPr lang="en-CH" b="1" dirty="0"/>
+              <a:t>measured inputs</a:t>
+            </a:r>
+            <a:r>
+              <a:rPr lang="en-CH" b="0" dirty="0"/>
+              <a:t>.</a:t>
+            </a:r>
+          </a:p>
+          <a:p>
+            <a:r>
+              <a:rPr lang="en-CH" b="0" dirty="0"/>
+              <a:t>Since the </a:t>
+            </a:r>
+            <a:r>
+              <a:rPr lang="en-CH" b="0" u="sng" dirty="0"/>
+              <a:t>sensor</a:t>
+            </a:r>
+            <a:r>
+              <a:rPr lang="en-CH" b="0" dirty="0"/>
+              <a:t> is going to have an </a:t>
+            </a:r>
+            <a:r>
+              <a:rPr lang="en-CH" b="1" dirty="0"/>
+              <a:t>influence</a:t>
+            </a:r>
+            <a:r>
+              <a:rPr lang="en-CH" b="0" dirty="0"/>
+              <a:t> on the </a:t>
+            </a:r>
+            <a:r>
+              <a:rPr lang="en-CH" b="0" i="0" u="sng" dirty="0"/>
+              <a:t>process</a:t>
+            </a:r>
+            <a:r>
+              <a:rPr lang="en-CH" b="0" i="0" u="none" dirty="0"/>
+              <a:t>, the measured value needs to be correct.</a:t>
+            </a:r>
           </a:p>
         </p:txBody>
       </p:sp>
@@ -3142,7 +3181,7 @@
           <a:p>
             <a:fld id="{9C33268D-4392-4FD3-B33B-AD549935553F}" type="slidenum">
               <a:rPr lang="en-CH" smtClean="0"/>
-              <a:t>17</a:t>
+              <a:t>15</a:t>
             </a:fld>
             <a:endParaRPr lang="en-CH"/>
           </a:p>
@@ -3437,7 +3476,19 @@
                   <a:rPr lang="en-CH" b="0" i="0" u="none" dirty="0">
                     <a:sym typeface="Wingdings" panose="05000000000000000000" pitchFamily="2" charset="2"/>
                   </a:rPr>
-                  <a:t> decrease in loading error</a:t>
+                  <a:t> decrease in </a:t>
+                </a:r>
+                <a:r>
+                  <a:rPr lang="en-CH" b="1" i="0" u="none" dirty="0">
+                    <a:sym typeface="Wingdings" panose="05000000000000000000" pitchFamily="2" charset="2"/>
+                  </a:rPr>
+                  <a:t>steady</a:t>
+                </a:r>
+                <a:r>
+                  <a:rPr lang="en-CH" b="0" i="0" u="none" dirty="0">
+                    <a:sym typeface="Wingdings" panose="05000000000000000000" pitchFamily="2" charset="2"/>
+                  </a:rPr>
+                  <a:t> loading error</a:t>
                 </a:r>
                 <a:endParaRPr lang="en-CH" b="0" i="0" u="none" dirty="0"/>
               </a:p>
@@ -3628,7 +3679,7 @@
           <a:p>
             <a:fld id="{9C33268D-4392-4FD3-B33B-AD549935553F}" type="slidenum">
               <a:rPr lang="en-CH" smtClean="0"/>
-              <a:t>18</a:t>
+              <a:t>16</a:t>
             </a:fld>
             <a:endParaRPr lang="en-CH"/>
           </a:p>
@@ -4175,7 +4226,7 @@
           <a:p>
             <a:fld id="{9C33268D-4392-4FD3-B33B-AD549935553F}" type="slidenum">
               <a:rPr lang="en-CH" smtClean="0"/>
-              <a:t>19</a:t>
+              <a:t>17</a:t>
             </a:fld>
             <a:endParaRPr lang="en-CH"/>
           </a:p>
@@ -4223,29 +4274,145 @@
         </p:nvSpPr>
         <p:spPr/>
       </p:sp>
-      <p:sp>
-        <p:nvSpPr>
-          <p:cNvPr id="3" name="Notes Placeholder 2"/>
-          <p:cNvSpPr>
-            <a:spLocks noGrp="1"/>
-          </p:cNvSpPr>
-          <p:nvPr>
-            <p:ph type="body" idx="1"/>
-          </p:nvPr>
-        </p:nvSpPr>
-        <p:spPr/>
-        <p:txBody>
-          <a:bodyPr/>
-          <a:lstStyle/>
-          <a:p>
-            <a:pPr marL="171450" indent="-171450">
-              <a:buFont typeface="Arial" panose="020B0604020202020204" pitchFamily="34" charset="0"/>
-              <a:buChar char="•"/>
-            </a:pPr>
-            <a:endParaRPr lang="en-CH" dirty="0"/>
-          </a:p>
-        </p:txBody>
-      </p:sp>
+      <mc:AlternateContent xmlns:mc="http://schemas.openxmlformats.org/markup-compatibility/2006" xmlns:a14="http://schemas.microsoft.com/office/drawing/2010/main">
+        <mc:Choice Requires="a14">
+          <p:sp>
+            <p:nvSpPr>
+              <p:cNvPr id="3" name="Notes Placeholder 2"/>
+              <p:cNvSpPr>
+                <a:spLocks noGrp="1"/>
+              </p:cNvSpPr>
+              <p:nvPr>
+                <p:ph type="body" idx="1"/>
+              </p:nvPr>
+            </p:nvSpPr>
+            <p:spPr/>
+            <p:txBody>
+              <a:bodyPr/>
+              <a:lstStyle/>
+              <a:p>
+                <a:pPr marL="0" indent="0">
+                  <a:buFont typeface="Arial" panose="020B0604020202020204" pitchFamily="34" charset="0"/>
+                  <a:buNone/>
+                </a:pPr>
+                <a:r>
+                  <a:rPr lang="en-CH" dirty="0"/>
+                  <a:t>bilateral transducers are associated with reversible effects </a:t>
+                </a:r>
+                <a14:m>
+                  <m:oMath xmlns:m="http://schemas.openxmlformats.org/officeDocument/2006/math">
+                    <m:r>
+                      <a:rPr lang="en-CH" b="0" i="1" smtClean="0">
+                        <a:latin typeface="Cambria Math" panose="02040503050406030204" pitchFamily="18" charset="0"/>
+                      </a:rPr>
+                      <m:t>→</m:t>
+                    </m:r>
+                    <m:r>
+                      <a:rPr lang="en-CH" b="1" i="1" smtClean="0">
+                        <a:latin typeface="Cambria Math" panose="02040503050406030204" pitchFamily="18" charset="0"/>
+                      </a:rPr>
+                      <m:t>𝒇𝒐𝒓</m:t>
+                    </m:r>
+                    <m:r>
+                      <a:rPr lang="en-CH" b="1" i="1" smtClean="0">
+                        <a:latin typeface="Cambria Math" panose="02040503050406030204" pitchFamily="18" charset="0"/>
+                      </a:rPr>
+                      <m:t> </m:t>
+                    </m:r>
+                    <m:r>
+                      <a:rPr lang="en-CH" b="1" i="1" smtClean="0">
+                        <a:latin typeface="Cambria Math" panose="02040503050406030204" pitchFamily="18" charset="0"/>
+                      </a:rPr>
+                      <m:t>𝒆𝒙𝒂𝒎𝒑𝒍𝒆</m:t>
+                    </m:r>
+                    <m:r>
+                      <a:rPr lang="en-CH" b="1" i="1" smtClean="0">
+                        <a:latin typeface="Cambria Math" panose="02040503050406030204" pitchFamily="18" charset="0"/>
+                      </a:rPr>
+                      <m:t> </m:t>
+                    </m:r>
+                    <m:r>
+                      <a:rPr lang="en-CH" b="0" i="1" smtClean="0">
+                        <a:latin typeface="Cambria Math" panose="02040503050406030204" pitchFamily="18" charset="0"/>
+                      </a:rPr>
+                      <m:t>𝑀𝑒𝑐h𝑎𝑛𝑖𝑐𝑎𝑙</m:t>
+                    </m:r>
+                    <m:r>
+                      <a:rPr lang="en-CH" b="0" i="1" smtClean="0">
+                        <a:latin typeface="Cambria Math" panose="02040503050406030204" pitchFamily="18" charset="0"/>
+                        <a:ea typeface="Cambria Math" panose="02040503050406030204" pitchFamily="18" charset="0"/>
+                      </a:rPr>
+                      <m:t>↔</m:t>
+                    </m:r>
+                    <m:r>
+                      <a:rPr lang="en-CH" b="0" i="1" smtClean="0">
+                        <a:latin typeface="Cambria Math" panose="02040503050406030204" pitchFamily="18" charset="0"/>
+                        <a:ea typeface="Cambria Math" panose="02040503050406030204" pitchFamily="18" charset="0"/>
+                      </a:rPr>
+                      <m:t>𝐸𝑙𝑒𝑐𝑡𝑟𝑖𝑐𝑎𝑙</m:t>
+                    </m:r>
+                  </m:oMath>
+                </a14:m>
+                <a:endParaRPr lang="en-CH" dirty="0"/>
+              </a:p>
+            </p:txBody>
+          </p:sp>
+        </mc:Choice>
+        <mc:Fallback xmlns="">
+          <p:sp>
+            <p:nvSpPr>
+              <p:cNvPr id="3" name="Notes Placeholder 2"/>
+              <p:cNvSpPr>
+                <a:spLocks noGrp="1"/>
+              </p:cNvSpPr>
+              <p:nvPr>
+                <p:ph type="body" idx="1"/>
+              </p:nvPr>
+            </p:nvSpPr>
+            <p:spPr/>
+            <p:txBody>
+              <a:bodyPr/>
+              <a:lstStyle/>
+              <a:p>
+                <a:pPr marL="0" indent="0">
+                  <a:buFont typeface="Arial" panose="020B0604020202020204" pitchFamily="34" charset="0"/>
+                  <a:buNone/>
+                </a:pPr>
+                <a:r>
+                  <a:rPr lang="en-CH" dirty="0"/>
+                  <a:t>bilateral transducers are associated with reversible effects </a:t>
+                </a:r>
+                <a:r>
+                  <a:rPr lang="en-CH" b="0" i="0">
+                    <a:latin typeface="Cambria Math" panose="02040503050406030204" pitchFamily="18" charset="0"/>
+                  </a:rPr>
+                  <a:t>→</a:t>
+                </a:r>
+                <a:r>
+                  <a:rPr lang="en-CH" b="1" i="0">
+                    <a:latin typeface="Cambria Math" panose="02040503050406030204" pitchFamily="18" charset="0"/>
+                  </a:rPr>
+                  <a:t>𝒇𝒐𝒓 𝒆𝒙𝒂𝒎𝒑𝒍𝒆 </a:t>
+                </a:r>
+                <a:r>
+                  <a:rPr lang="en-CH" b="0" i="0">
+                    <a:latin typeface="Cambria Math" panose="02040503050406030204" pitchFamily="18" charset="0"/>
+                  </a:rPr>
+                  <a:t>𝑀𝑒𝑐ℎ𝑎𝑛𝑖𝑐𝑎𝑙</a:t>
+                </a:r>
+                <a:r>
+                  <a:rPr lang="en-CH" b="0" i="0">
+                    <a:latin typeface="Cambria Math" panose="02040503050406030204" pitchFamily="18" charset="0"/>
+                    <a:ea typeface="Cambria Math" panose="02040503050406030204" pitchFamily="18" charset="0"/>
+                  </a:rPr>
+                  <a:t>↔𝐸𝑙𝑒𝑐𝑡𝑟𝑖𝑐𝑎𝑙</a:t>
+                </a:r>
+                <a:endParaRPr lang="en-CH" dirty="0"/>
+              </a:p>
+            </p:txBody>
+          </p:sp>
+        </mc:Fallback>
+      </mc:AlternateContent>
       <p:sp>
         <p:nvSpPr>
           <p:cNvPr id="4" name="Slide Number Placeholder 3"/>
@@ -4263,7 +4430,7 @@
           <a:p>
             <a:fld id="{9C33268D-4392-4FD3-B33B-AD549935553F}" type="slidenum">
               <a:rPr lang="en-CH" smtClean="0"/>
-              <a:t>20</a:t>
+              <a:t>18</a:t>
             </a:fld>
             <a:endParaRPr lang="en-CH"/>
           </a:p>
@@ -4272,7 +4439,7 @@
     </p:spTree>
     <p:extLst>
       <p:ext uri="{BB962C8B-B14F-4D97-AF65-F5344CB8AC3E}">
-        <p14:creationId xmlns:p14="http://schemas.microsoft.com/office/powerpoint/2010/main" val="815463308"/>
+        <p14:creationId xmlns:p14="http://schemas.microsoft.com/office/powerpoint/2010/main" val="2649429505"/>
       </p:ext>
     </p:extLst>
   </p:cSld>
@@ -4467,211 +4634,7 @@
           <a:p>
             <a:fld id="{9C33268D-4392-4FD3-B33B-AD549935553F}" type="slidenum">
               <a:rPr lang="en-CH" smtClean="0"/>
-              <a:t>21</a:t>
-            </a:fld>
-            <a:endParaRPr lang="en-CH"/>
-          </a:p>
-        </p:txBody>
-      </p:sp>
-    </p:spTree>
-    <p:extLst>
-      <p:ext uri="{BB962C8B-B14F-4D97-AF65-F5344CB8AC3E}">
-        <p14:creationId xmlns:p14="http://schemas.microsoft.com/office/powerpoint/2010/main" val="2649429505"/>
-      </p:ext>
-    </p:extLst>
-  </p:cSld>
-  <p:clrMapOvr>
-    <a:masterClrMapping/>
-  </p:clrMapOvr>
-</p:notes>
-</file>
-
-<file path=ppt/notesSlides/notesSlide8.xml><?xml version="1.0" encoding="utf-8"?>
-<p:notes xmlns:a="http://schemas.openxmlformats.org/drawingml/2006/main" xmlns:r="http://schemas.openxmlformats.org/officeDocument/2006/relationships" xmlns:p="http://schemas.openxmlformats.org/presentationml/2006/main">
-  <p:cSld>
-    <p:spTree>
-      <p:nvGrpSpPr>
-        <p:cNvPr id="1" name=""/>
-        <p:cNvGrpSpPr/>
-        <p:nvPr/>
-      </p:nvGrpSpPr>
-      <p:grpSpPr>
-        <a:xfrm>
-          <a:off x="0" y="0"/>
-          <a:ext cx="0" cy="0"/>
-          <a:chOff x="0" y="0"/>
-          <a:chExt cx="0" cy="0"/>
-        </a:xfrm>
-      </p:grpSpPr>
-      <p:sp>
-        <p:nvSpPr>
-          <p:cNvPr id="2" name="Slide Image Placeholder 1"/>
-          <p:cNvSpPr>
-            <a:spLocks noGrp="1" noRot="1" noChangeAspect="1"/>
-          </p:cNvSpPr>
-          <p:nvPr>
-            <p:ph type="sldImg"/>
-          </p:nvPr>
-        </p:nvSpPr>
-        <p:spPr/>
-      </p:sp>
-      <mc:AlternateContent xmlns:mc="http://schemas.openxmlformats.org/markup-compatibility/2006" xmlns:a14="http://schemas.microsoft.com/office/drawing/2010/main">
-        <mc:Choice Requires="a14">
-          <p:sp>
-            <p:nvSpPr>
-              <p:cNvPr id="3" name="Notes Placeholder 2"/>
-              <p:cNvSpPr>
-                <a:spLocks noGrp="1"/>
-              </p:cNvSpPr>
-              <p:nvPr>
-                <p:ph type="body" idx="1"/>
-              </p:nvPr>
-            </p:nvSpPr>
-            <p:spPr/>
-            <p:txBody>
-              <a:bodyPr/>
-              <a:lstStyle/>
-              <a:p>
-                <a:pPr marL="0" indent="0">
-                  <a:buFont typeface="Arial" panose="020B0604020202020204" pitchFamily="34" charset="0"/>
-                  <a:buNone/>
-                </a:pPr>
-                <a:r>
-                  <a:rPr lang="en-CH" dirty="0"/>
-                  <a:t>bilateral transducers are associated with reversible effects </a:t>
-                </a:r>
-                <a14:m>
-                  <m:oMath xmlns:m="http://schemas.openxmlformats.org/officeDocument/2006/math">
-                    <m:r>
-                      <a:rPr lang="en-CH" b="0" i="1" smtClean="0">
-                        <a:latin typeface="Cambria Math" panose="02040503050406030204" pitchFamily="18" charset="0"/>
-                      </a:rPr>
-                      <m:t>→</m:t>
-                    </m:r>
-                    <m:r>
-                      <a:rPr lang="en-CH" b="1" i="1" smtClean="0">
-                        <a:latin typeface="Cambria Math" panose="02040503050406030204" pitchFamily="18" charset="0"/>
-                      </a:rPr>
-                      <m:t>𝒇𝒐𝒓</m:t>
-                    </m:r>
-                    <m:r>
-                      <a:rPr lang="en-CH" b="1" i="1" smtClean="0">
-                        <a:latin typeface="Cambria Math" panose="02040503050406030204" pitchFamily="18" charset="0"/>
-                      </a:rPr>
-                      <m:t> </m:t>
-                    </m:r>
-                    <m:r>
-                      <a:rPr lang="en-CH" b="1" i="1" smtClean="0">
-                        <a:latin typeface="Cambria Math" panose="02040503050406030204" pitchFamily="18" charset="0"/>
-                      </a:rPr>
-                      <m:t>𝒆𝒙𝒂𝒎𝒑𝒍𝒆</m:t>
-                    </m:r>
-                    <m:r>
-                      <a:rPr lang="en-CH" b="1" i="1" smtClean="0">
-                        <a:latin typeface="Cambria Math" panose="02040503050406030204" pitchFamily="18" charset="0"/>
-                      </a:rPr>
-                      <m:t> </m:t>
-                    </m:r>
-                    <m:r>
-                      <a:rPr lang="en-CH" b="0" i="1" smtClean="0">
-                        <a:latin typeface="Cambria Math" panose="02040503050406030204" pitchFamily="18" charset="0"/>
-                      </a:rPr>
-                      <m:t>𝑀𝑒𝑐h𝑎𝑛𝑖𝑐𝑎𝑙</m:t>
-                    </m:r>
-                    <m:r>
-                      <a:rPr lang="en-CH" b="0" i="1" smtClean="0">
-                        <a:latin typeface="Cambria Math" panose="02040503050406030204" pitchFamily="18" charset="0"/>
-                        <a:ea typeface="Cambria Math" panose="02040503050406030204" pitchFamily="18" charset="0"/>
-                      </a:rPr>
-                      <m:t>↔</m:t>
-                    </m:r>
-                    <m:r>
-                      <a:rPr lang="en-CH" b="0" i="1" smtClean="0">
-                        <a:latin typeface="Cambria Math" panose="02040503050406030204" pitchFamily="18" charset="0"/>
-                        <a:ea typeface="Cambria Math" panose="02040503050406030204" pitchFamily="18" charset="0"/>
-                      </a:rPr>
-                      <m:t>𝐸𝑙𝑒𝑐𝑡𝑟𝑖𝑐𝑎𝑙</m:t>
-                    </m:r>
-                  </m:oMath>
-                </a14:m>
-                <a:endParaRPr lang="en-CH" dirty="0"/>
-              </a:p>
-            </p:txBody>
-          </p:sp>
-        </mc:Choice>
-        <mc:Fallback xmlns="">
-          <p:sp>
-            <p:nvSpPr>
-              <p:cNvPr id="3" name="Notes Placeholder 2"/>
-              <p:cNvSpPr>
-                <a:spLocks noGrp="1"/>
-              </p:cNvSpPr>
-              <p:nvPr>
-                <p:ph type="body" idx="1"/>
-              </p:nvPr>
-            </p:nvSpPr>
-            <p:spPr/>
-            <p:txBody>
-              <a:bodyPr/>
-              <a:lstStyle/>
-              <a:p>
-                <a:pPr marL="0" indent="0">
-                  <a:buFont typeface="Arial" panose="020B0604020202020204" pitchFamily="34" charset="0"/>
-                  <a:buNone/>
-                </a:pPr>
-                <a:r>
-                  <a:rPr lang="en-CH" dirty="0"/>
-                  <a:t>bilateral transducers are associated with reversible effects </a:t>
-                </a:r>
-                <a:r>
-                  <a:rPr lang="en-CH" b="0" i="0">
-                    <a:latin typeface="Cambria Math" panose="02040503050406030204" pitchFamily="18" charset="0"/>
-                  </a:rPr>
-                  <a:t>→</a:t>
-                </a:r>
-                <a:r>
-                  <a:rPr lang="en-CH" b="1" i="0">
-                    <a:latin typeface="Cambria Math" panose="02040503050406030204" pitchFamily="18" charset="0"/>
-                  </a:rPr>
-                  <a:t>𝒇𝒐𝒓 𝒆𝒙𝒂𝒎𝒑𝒍𝒆 </a:t>
-                </a:r>
-                <a:r>
-                  <a:rPr lang="en-CH" b="0" i="0">
-                    <a:latin typeface="Cambria Math" panose="02040503050406030204" pitchFamily="18" charset="0"/>
-                  </a:rPr>
-                  <a:t>𝑀𝑒𝑐ℎ𝑎𝑛𝑖𝑐𝑎𝑙</a:t>
-                </a:r>
-                <a:r>
-                  <a:rPr lang="en-CH" b="0" i="0">
-                    <a:latin typeface="Cambria Math" panose="02040503050406030204" pitchFamily="18" charset="0"/>
-                    <a:ea typeface="Cambria Math" panose="02040503050406030204" pitchFamily="18" charset="0"/>
-                  </a:rPr>
-                  <a:t>↔𝐸𝑙𝑒𝑐𝑡𝑟𝑖𝑐𝑎𝑙</a:t>
-                </a:r>
-                <a:endParaRPr lang="en-CH" dirty="0"/>
-              </a:p>
-            </p:txBody>
-          </p:sp>
-        </mc:Fallback>
-      </mc:AlternateContent>
-      <p:sp>
-        <p:nvSpPr>
-          <p:cNvPr id="4" name="Slide Number Placeholder 3"/>
-          <p:cNvSpPr>
-            <a:spLocks noGrp="1"/>
-          </p:cNvSpPr>
-          <p:nvPr>
-            <p:ph type="sldNum" sz="quarter" idx="5"/>
-          </p:nvPr>
-        </p:nvSpPr>
-        <p:spPr/>
-        <p:txBody>
-          <a:bodyPr/>
-          <a:lstStyle/>
-          <a:p>
-            <a:fld id="{9C33268D-4392-4FD3-B33B-AD549935553F}" type="slidenum">
-              <a:rPr lang="en-CH" smtClean="0"/>
-              <a:t>22</a:t>
+              <a:t>19</a:t>
             </a:fld>
             <a:endParaRPr lang="en-CH"/>
           </a:p>
@@ -4760,7 +4723,7 @@
             <a:fld id="{5EC0B375-6A40-43D7-83C5-47D26144B495}" type="datetimeFigureOut">
               <a:rPr lang="en-CH" smtClean="0"/>
               <a:pPr/>
-              <a:t>24/12/2023</a:t>
+              <a:t>04/01/2024</a:t>
             </a:fld>
             <a:endParaRPr lang="en-CH"/>
           </a:p>
@@ -4967,7 +4930,7 @@
             <a:fld id="{5EC0B375-6A40-43D7-83C5-47D26144B495}" type="datetimeFigureOut">
               <a:rPr lang="en-CH" smtClean="0"/>
               <a:pPr/>
-              <a:t>24/12/2023</a:t>
+              <a:t>04/01/2024</a:t>
             </a:fld>
             <a:endParaRPr lang="en-CH"/>
           </a:p>
@@ -5174,7 +5137,7 @@
             <a:fld id="{5EC0B375-6A40-43D7-83C5-47D26144B495}" type="datetimeFigureOut">
               <a:rPr lang="en-CH" smtClean="0"/>
               <a:pPr/>
-              <a:t>24/12/2023</a:t>
+              <a:t>04/01/2024</a:t>
             </a:fld>
             <a:endParaRPr lang="en-CH"/>
           </a:p>
@@ -5465,7 +5428,7 @@
             <a:fld id="{5EC0B375-6A40-43D7-83C5-47D26144B495}" type="datetimeFigureOut">
               <a:rPr lang="en-CH" smtClean="0"/>
               <a:pPr/>
-              <a:t>24/12/2023</a:t>
+              <a:t>04/01/2024</a:t>
             </a:fld>
             <a:endParaRPr lang="en-CH"/>
           </a:p>
@@ -5735,7 +5698,7 @@
             <a:fld id="{5EC0B375-6A40-43D7-83C5-47D26144B495}" type="datetimeFigureOut">
               <a:rPr lang="en-CH" smtClean="0"/>
               <a:pPr/>
-              <a:t>24/12/2023</a:t>
+              <a:t>04/01/2024</a:t>
             </a:fld>
             <a:endParaRPr lang="en-CH"/>
           </a:p>
@@ -5879,7 +5842,7 @@
             <a:fld id="{5EC0B375-6A40-43D7-83C5-47D26144B495}" type="datetimeFigureOut">
               <a:rPr lang="en-CH" smtClean="0"/>
               <a:pPr/>
-              <a:t>24/12/2023</a:t>
+              <a:t>04/01/2024</a:t>
             </a:fld>
             <a:endParaRPr lang="en-CH"/>
           </a:p>
@@ -6086,7 +6049,7 @@
             <a:fld id="{5EC0B375-6A40-43D7-83C5-47D26144B495}" type="datetimeFigureOut">
               <a:rPr lang="en-CH" smtClean="0"/>
               <a:pPr/>
-              <a:t>24/12/2023</a:t>
+              <a:t>04/01/2024</a:t>
             </a:fld>
             <a:endParaRPr lang="en-CH"/>
           </a:p>
@@ -6293,7 +6256,7 @@
             <a:fld id="{5EC0B375-6A40-43D7-83C5-47D26144B495}" type="datetimeFigureOut">
               <a:rPr lang="en-CH" smtClean="0"/>
               <a:pPr/>
-              <a:t>24/12/2023</a:t>
+              <a:t>04/01/2024</a:t>
             </a:fld>
             <a:endParaRPr lang="en-CH"/>
           </a:p>
@@ -6584,7 +6547,7 @@
             <a:fld id="{5EC0B375-6A40-43D7-83C5-47D26144B495}" type="datetimeFigureOut">
               <a:rPr lang="en-CH" smtClean="0"/>
               <a:pPr/>
-              <a:t>24/12/2023</a:t>
+              <a:t>04/01/2024</a:t>
             </a:fld>
             <a:endParaRPr lang="en-CH"/>
           </a:p>
@@ -6854,7 +6817,7 @@
             <a:fld id="{5EC0B375-6A40-43D7-83C5-47D26144B495}" type="datetimeFigureOut">
               <a:rPr lang="en-CH" smtClean="0"/>
               <a:pPr/>
-              <a:t>24/12/2023</a:t>
+              <a:t>04/01/2024</a:t>
             </a:fld>
             <a:endParaRPr lang="en-CH"/>
           </a:p>
@@ -6998,7 +6961,7 @@
             <a:fld id="{5EC0B375-6A40-43D7-83C5-47D26144B495}" type="datetimeFigureOut">
               <a:rPr lang="en-CH" smtClean="0"/>
               <a:pPr/>
-              <a:t>24/12/2023</a:t>
+              <a:t>04/01/2024</a:t>
             </a:fld>
             <a:endParaRPr lang="en-CH"/>
           </a:p>
@@ -7289,7 +7252,7 @@
             <a:fld id="{5EC0B375-6A40-43D7-83C5-47D26144B495}" type="datetimeFigureOut">
               <a:rPr lang="en-CH" smtClean="0"/>
               <a:pPr/>
-              <a:t>24/12/2023</a:t>
+              <a:t>04/01/2024</a:t>
             </a:fld>
             <a:endParaRPr lang="en-CH"/>
           </a:p>
@@ -7571,7 +7534,7 @@
             <a:fld id="{5EC0B375-6A40-43D7-83C5-47D26144B495}" type="datetimeFigureOut">
               <a:rPr lang="en-CH" smtClean="0"/>
               <a:pPr/>
-              <a:t>24/12/2023</a:t>
+              <a:t>04/01/2024</a:t>
             </a:fld>
             <a:endParaRPr lang="en-CH"/>
           </a:p>
@@ -7941,7 +7904,7 @@
             <a:fld id="{5EC0B375-6A40-43D7-83C5-47D26144B495}" type="datetimeFigureOut">
               <a:rPr lang="en-CH" smtClean="0"/>
               <a:pPr/>
-              <a:t>24/12/2023</a:t>
+              <a:t>04/01/2024</a:t>
             </a:fld>
             <a:endParaRPr lang="en-CH"/>
           </a:p>
@@ -8527,7 +8490,7 @@
             <a:fld id="{5EC0B375-6A40-43D7-83C5-47D26144B495}" type="datetimeFigureOut">
               <a:rPr lang="en-CH" smtClean="0"/>
               <a:pPr/>
-              <a:t>24/12/2023</a:t>
+              <a:t>04/01/2024</a:t>
             </a:fld>
             <a:endParaRPr lang="en-CH"/>
           </a:p>
@@ -8820,7 +8783,7 @@
             <a:fld id="{5EC0B375-6A40-43D7-83C5-47D26144B495}" type="datetimeFigureOut">
               <a:rPr lang="en-CH" smtClean="0"/>
               <a:pPr/>
-              <a:t>24/12/2023</a:t>
+              <a:t>04/01/2024</a:t>
             </a:fld>
             <a:endParaRPr lang="en-CH"/>
           </a:p>
@@ -9442,7 +9405,7 @@
             <a:fld id="{5EC0B375-6A40-43D7-83C5-47D26144B495}" type="datetimeFigureOut">
               <a:rPr lang="en-CH" smtClean="0"/>
               <a:pPr/>
-              <a:t>24/12/2023</a:t>
+              <a:t>04/01/2024</a:t>
             </a:fld>
             <a:endParaRPr lang="en-CH"/>
           </a:p>
@@ -10022,7 +9985,7 @@
             <a:fld id="{5EC0B375-6A40-43D7-83C5-47D26144B495}" type="datetimeFigureOut">
               <a:rPr lang="en-CH" smtClean="0"/>
               <a:pPr/>
-              <a:t>24/12/2023</a:t>
+              <a:t>04/01/2024</a:t>
             </a:fld>
             <a:endParaRPr lang="en-CH"/>
           </a:p>
@@ -10500,562 +10463,6 @@
 </file>
 
 <file path=ppt/slides/slide10.xml><?xml version="1.0" encoding="utf-8"?>
-<p:sld xmlns:a="http://schemas.openxmlformats.org/drawingml/2006/main" xmlns:r="http://schemas.openxmlformats.org/officeDocument/2006/relationships" xmlns:p="http://schemas.openxmlformats.org/presentationml/2006/main">
-  <p:cSld>
-    <p:spTree>
-      <p:nvGrpSpPr>
-        <p:cNvPr id="1" name=""/>
-        <p:cNvGrpSpPr/>
-        <p:nvPr/>
-      </p:nvGrpSpPr>
-      <p:grpSpPr>
-        <a:xfrm>
-          <a:off x="0" y="0"/>
-          <a:ext cx="0" cy="0"/>
-          <a:chOff x="0" y="0"/>
-          <a:chExt cx="0" cy="0"/>
-        </a:xfrm>
-      </p:grpSpPr>
-      <p:sp>
-        <p:nvSpPr>
-          <p:cNvPr id="4" name="Title 3">
-            <a:extLst>
-              <a:ext uri="{FF2B5EF4-FFF2-40B4-BE49-F238E27FC236}">
-                <a16:creationId xmlns:a16="http://schemas.microsoft.com/office/drawing/2014/main" id="{4CFD4528-2BB6-DA51-122A-993728681618}"/>
-              </a:ext>
-            </a:extLst>
-          </p:cNvPr>
-          <p:cNvSpPr>
-            <a:spLocks noGrp="1"/>
-          </p:cNvSpPr>
-          <p:nvPr>
-            <p:ph type="title"/>
-          </p:nvPr>
-        </p:nvSpPr>
-        <p:spPr/>
-        <p:txBody>
-          <a:bodyPr>
-            <a:normAutofit fontScale="90000"/>
-          </a:bodyPr>
-          <a:lstStyle/>
-          <a:p>
-            <a:r>
-              <a:rPr lang="en-CH" sz="3600" dirty="0"/>
-              <a:t>Generalized </a:t>
-            </a:r>
-            <a:r>
-              <a:rPr lang="en-CH" sz="3600" dirty="0" err="1"/>
-              <a:t>Effots</a:t>
-            </a:r>
-            <a:r>
-              <a:rPr lang="en-CH" sz="3600" dirty="0"/>
-              <a:t> &amp; Flow Variables</a:t>
-            </a:r>
-            <a:br>
-              <a:rPr lang="en-CH" sz="3600" dirty="0"/>
-            </a:br>
-            <a:r>
-              <a:rPr lang="en-CH" sz="2000" b="0" dirty="0">
-                <a:latin typeface="Inter Light" panose="02000403000000020004" pitchFamily="50" charset="0"/>
-                <a:ea typeface="Inter Light" panose="02000403000000020004" pitchFamily="50" charset="0"/>
-                <a:cs typeface="Inter Light" panose="02000403000000020004" pitchFamily="50" charset="0"/>
-              </a:rPr>
-              <a:t>Two Port Networks</a:t>
-            </a:r>
-            <a:endParaRPr lang="en-CH" sz="3600" b="0" dirty="0">
-              <a:latin typeface="Inter Light" panose="02000403000000020004" pitchFamily="50" charset="0"/>
-              <a:ea typeface="Inter Light" panose="02000403000000020004" pitchFamily="50" charset="0"/>
-              <a:cs typeface="Inter Light" panose="02000403000000020004" pitchFamily="50" charset="0"/>
-            </a:endParaRPr>
-          </a:p>
-        </p:txBody>
-      </p:sp>
-      <p:sp>
-        <p:nvSpPr>
-          <p:cNvPr id="7" name="Footer Placeholder 6">
-            <a:extLst>
-              <a:ext uri="{FF2B5EF4-FFF2-40B4-BE49-F238E27FC236}">
-                <a16:creationId xmlns:a16="http://schemas.microsoft.com/office/drawing/2014/main" id="{C2087B21-59E7-351E-453B-C0FB4499D72D}"/>
-              </a:ext>
-            </a:extLst>
-          </p:cNvPr>
-          <p:cNvSpPr>
-            <a:spLocks noGrp="1"/>
-          </p:cNvSpPr>
-          <p:nvPr>
-            <p:ph type="ftr" sz="quarter" idx="11"/>
-          </p:nvPr>
-        </p:nvSpPr>
-        <p:spPr>
-          <a:xfrm>
-            <a:off x="2188801" y="5444450"/>
-            <a:ext cx="4765672" cy="270000"/>
-          </a:xfrm>
-        </p:spPr>
-        <p:txBody>
-          <a:bodyPr/>
-          <a:lstStyle/>
-          <a:p>
-            <a:r>
-              <a:rPr lang="en-GB" dirty="0"/>
-              <a:t>Principles of Measurement Systems 4th Edition, John P. Bentley, p.</a:t>
-            </a:r>
-            <a:r>
-              <a:rPr lang="en-CH" dirty="0"/>
-              <a:t>84-93</a:t>
-            </a:r>
-          </a:p>
-        </p:txBody>
-      </p:sp>
-      <mc:AlternateContent xmlns:mc="http://schemas.openxmlformats.org/markup-compatibility/2006" xmlns:a14="http://schemas.microsoft.com/office/drawing/2010/main">
-        <mc:Choice Requires="a14">
-          <p:sp>
-            <p:nvSpPr>
-              <p:cNvPr id="3" name="Content Placeholder 2">
-                <a:extLst>
-                  <a:ext uri="{FF2B5EF4-FFF2-40B4-BE49-F238E27FC236}">
-                    <a16:creationId xmlns:a16="http://schemas.microsoft.com/office/drawing/2014/main" id="{EF1EF9A8-9387-6DFF-55A8-4DEB1951F2C2}"/>
-                  </a:ext>
-                </a:extLst>
-              </p:cNvPr>
-              <p:cNvSpPr>
-                <a:spLocks noGrp="1"/>
-              </p:cNvSpPr>
-              <p:nvPr>
-                <p:ph sz="quarter" idx="13"/>
-              </p:nvPr>
-            </p:nvSpPr>
-            <p:spPr/>
-            <p:txBody>
-              <a:bodyPr>
-                <a:normAutofit/>
-              </a:bodyPr>
-              <a:lstStyle/>
-              <a:p>
-                <a:r>
-                  <a:rPr lang="en-CH" sz="2000" b="1" dirty="0"/>
-                  <a:t>across</a:t>
-                </a:r>
-                <a:r>
-                  <a:rPr lang="en-CH" sz="2000" dirty="0"/>
-                  <a:t>/</a:t>
-                </a:r>
-                <a:r>
-                  <a:rPr lang="en-CH" sz="2000" b="1" dirty="0"/>
-                  <a:t>effort variable</a:t>
-                </a:r>
-                <a:r>
-                  <a:rPr lang="en-CH" sz="2000" dirty="0"/>
-                  <a:t> </a:t>
-                </a:r>
-                <a14:m>
-                  <m:oMath xmlns:m="http://schemas.openxmlformats.org/officeDocument/2006/math">
-                    <m:r>
-                      <a:rPr lang="en-CH" sz="2000" i="1" dirty="0" smtClean="0">
-                        <a:latin typeface="Cambria Math" panose="02040503050406030204" pitchFamily="18" charset="0"/>
-                      </a:rPr>
-                      <m:t>𝑦</m:t>
-                    </m:r>
-                  </m:oMath>
-                </a14:m>
-                <a:r>
-                  <a:rPr lang="en-CH" sz="2000" dirty="0"/>
-                  <a:t> (e</a:t>
-                </a:r>
-                <a:r>
-                  <a:rPr lang="en-GB" sz="2000" dirty="0"/>
-                  <a:t>.g.</a:t>
-                </a:r>
-                <a:r>
-                  <a:rPr lang="en-CH" sz="2000" dirty="0"/>
-                  <a:t> voltage)</a:t>
-                </a:r>
-              </a:p>
-              <a:p>
-                <a:r>
-                  <a:rPr lang="en-CH" sz="2000" b="1" dirty="0"/>
-                  <a:t>through</a:t>
-                </a:r>
-                <a:r>
-                  <a:rPr lang="en-CH" sz="2000" dirty="0"/>
-                  <a:t>/</a:t>
-                </a:r>
-                <a:r>
-                  <a:rPr lang="en-CH" sz="2000" b="1" dirty="0"/>
-                  <a:t>flow variable</a:t>
-                </a:r>
-                <a:r>
-                  <a:rPr lang="en-CH" sz="2000" dirty="0"/>
-                  <a:t> </a:t>
-                </a:r>
-                <a14:m>
-                  <m:oMath xmlns:m="http://schemas.openxmlformats.org/officeDocument/2006/math">
-                    <m:acc>
-                      <m:accPr>
-                        <m:chr m:val="̇"/>
-                        <m:ctrlPr>
-                          <a:rPr lang="en-CH" sz="2000" i="1" dirty="0" smtClean="0">
-                            <a:latin typeface="Cambria Math" panose="02040503050406030204" pitchFamily="18" charset="0"/>
-                          </a:rPr>
-                        </m:ctrlPr>
-                      </m:accPr>
-                      <m:e>
-                        <m:r>
-                          <a:rPr lang="en-CH" sz="2000" b="0" i="1" dirty="0" smtClean="0">
-                            <a:latin typeface="Cambria Math" panose="02040503050406030204" pitchFamily="18" charset="0"/>
-                          </a:rPr>
-                          <m:t>𝑥</m:t>
-                        </m:r>
-                      </m:e>
-                    </m:acc>
-                  </m:oMath>
-                </a14:m>
-                <a:r>
-                  <a:rPr lang="en-CH" sz="2000" dirty="0"/>
-                  <a:t> (e.g. current)</a:t>
-                </a:r>
-              </a:p>
-              <a:p>
-                <a:endParaRPr lang="en-CH" sz="2000" b="1" dirty="0"/>
-              </a:p>
-              <a:p>
-                <a:endParaRPr lang="en-CH" sz="2000" b="1" dirty="0"/>
-              </a:p>
-              <a:p>
-                <a:pPr marL="0" indent="0" algn="ctr">
-                  <a:buNone/>
-                </a:pPr>
-                <a:r>
-                  <a:rPr lang="en-CH" sz="2800" b="1" dirty="0"/>
-                  <a:t>Effort </a:t>
-                </a:r>
-                <a:r>
-                  <a:rPr lang="en-CH" sz="2800" dirty="0"/>
-                  <a:t>drives</a:t>
-                </a:r>
-                <a:r>
-                  <a:rPr lang="en-CH" sz="2800" b="1" dirty="0"/>
-                  <a:t> flow </a:t>
-                </a:r>
-                <a:r>
-                  <a:rPr lang="en-CH" sz="2800" dirty="0"/>
-                  <a:t>through</a:t>
-                </a:r>
-                <a:r>
-                  <a:rPr lang="en-CH" sz="2800" b="1" dirty="0"/>
-                  <a:t> </a:t>
-                </a:r>
-                <a:r>
-                  <a:rPr lang="en-CH" sz="2800" dirty="0"/>
-                  <a:t>an</a:t>
-                </a:r>
-                <a:r>
-                  <a:rPr lang="en-CH" sz="2800" b="1" dirty="0"/>
-                  <a:t> impedance</a:t>
-                </a:r>
-              </a:p>
-              <a:p>
-                <a:pPr marL="0" indent="0" algn="ctr">
-                  <a:buNone/>
-                </a:pPr>
-                <a:endParaRPr lang="en-CH" sz="2000" b="1" dirty="0"/>
-              </a:p>
-              <a:p>
-                <a:pPr marL="0" indent="0" algn="ctr">
-                  <a:buNone/>
-                </a:pPr>
-                <a:endParaRPr lang="en-CH" sz="2000" b="1" dirty="0"/>
-              </a:p>
-              <a:p>
-                <a14:m>
-                  <m:oMath xmlns:m="http://schemas.openxmlformats.org/officeDocument/2006/math">
-                    <m:r>
-                      <a:rPr lang="en-CH" sz="2000" b="0" i="1" smtClean="0">
-                        <a:latin typeface="Cambria Math" panose="02040503050406030204" pitchFamily="18" charset="0"/>
-                      </a:rPr>
-                      <m:t>𝑦</m:t>
-                    </m:r>
-                    <m:r>
-                      <a:rPr lang="en-CH" sz="2000" b="0" i="1" smtClean="0">
-                        <a:latin typeface="Cambria Math" panose="02040503050406030204" pitchFamily="18" charset="0"/>
-                      </a:rPr>
-                      <m:t>⋅</m:t>
-                    </m:r>
-                    <m:acc>
-                      <m:accPr>
-                        <m:chr m:val="̇"/>
-                        <m:ctrlPr>
-                          <a:rPr lang="en-CH" sz="2000" i="1" dirty="0">
-                            <a:latin typeface="Cambria Math" panose="02040503050406030204" pitchFamily="18" charset="0"/>
-                          </a:rPr>
-                        </m:ctrlPr>
-                      </m:accPr>
-                      <m:e>
-                        <m:r>
-                          <a:rPr lang="en-CH" sz="2000" i="1" dirty="0">
-                            <a:latin typeface="Cambria Math" panose="02040503050406030204" pitchFamily="18" charset="0"/>
-                          </a:rPr>
-                          <m:t>𝑥</m:t>
-                        </m:r>
-                      </m:e>
-                    </m:acc>
-                  </m:oMath>
-                </a14:m>
-                <a:r>
-                  <a:rPr lang="en-CH" sz="2000" dirty="0"/>
-                  <a:t> represents power in watts </a:t>
-                </a:r>
-                <a:r>
-                  <a:rPr lang="en-CH" sz="1600" dirty="0">
-                    <a:solidFill>
-                      <a:schemeClr val="bg2">
-                        <a:lumMod val="50000"/>
-                      </a:schemeClr>
-                    </a:solidFill>
-                  </a:rPr>
-                  <a:t>(</a:t>
-                </a:r>
-                <a:r>
-                  <a:rPr lang="en-CH" sz="1600" dirty="0" err="1">
-                    <a:solidFill>
-                      <a:schemeClr val="bg2">
-                        <a:lumMod val="50000"/>
-                      </a:schemeClr>
-                    </a:solidFill>
-                  </a:rPr>
-                  <a:t>thermo</a:t>
-                </a:r>
-                <a:r>
-                  <a:rPr lang="en-CH" sz="1600" dirty="0">
-                    <a:solidFill>
-                      <a:schemeClr val="bg2">
-                        <a:lumMod val="50000"/>
-                      </a:schemeClr>
-                    </a:solidFill>
-                  </a:rPr>
-                  <a:t> has watts + temperature)</a:t>
-                </a:r>
-              </a:p>
-              <a:p>
-                <a14:m>
-                  <m:oMath xmlns:m="http://schemas.openxmlformats.org/officeDocument/2006/math">
-                    <m:r>
-                      <a:rPr lang="en-CH" sz="2000" b="0" i="1" smtClean="0">
-                        <a:latin typeface="Cambria Math" panose="02040503050406030204" pitchFamily="18" charset="0"/>
-                      </a:rPr>
-                      <m:t>𝑦</m:t>
-                    </m:r>
-                    <m:r>
-                      <a:rPr lang="en-CH" sz="2000" b="0" i="1" smtClean="0">
-                        <a:latin typeface="Cambria Math" panose="02040503050406030204" pitchFamily="18" charset="0"/>
-                      </a:rPr>
-                      <m:t>/</m:t>
-                    </m:r>
-                    <m:acc>
-                      <m:accPr>
-                        <m:chr m:val="̇"/>
-                        <m:ctrlPr>
-                          <a:rPr lang="en-CH" sz="2000" i="1" dirty="0">
-                            <a:latin typeface="Cambria Math" panose="02040503050406030204" pitchFamily="18" charset="0"/>
-                          </a:rPr>
-                        </m:ctrlPr>
-                      </m:accPr>
-                      <m:e>
-                        <m:r>
-                          <a:rPr lang="en-CH" sz="2000" i="1" dirty="0">
-                            <a:latin typeface="Cambria Math" panose="02040503050406030204" pitchFamily="18" charset="0"/>
-                          </a:rPr>
-                          <m:t>𝑥</m:t>
-                        </m:r>
-                      </m:e>
-                    </m:acc>
-                  </m:oMath>
-                </a14:m>
-                <a:r>
-                  <a:rPr lang="en-CH" sz="2000" dirty="0"/>
-                  <a:t> represents impedance</a:t>
-                </a:r>
-              </a:p>
-            </p:txBody>
-          </p:sp>
-        </mc:Choice>
-        <mc:Fallback xmlns="">
-          <p:sp>
-            <p:nvSpPr>
-              <p:cNvPr id="3" name="Content Placeholder 2">
-                <a:extLst>
-                  <a:ext uri="{FF2B5EF4-FFF2-40B4-BE49-F238E27FC236}">
-                    <a16:creationId xmlns:a16="http://schemas.microsoft.com/office/drawing/2014/main" id="{EF1EF9A8-9387-6DFF-55A8-4DEB1951F2C2}"/>
-                  </a:ext>
-                </a:extLst>
-              </p:cNvPr>
-              <p:cNvSpPr>
-                <a:spLocks noGrp="1" noRot="1" noChangeAspect="1" noMove="1" noResize="1" noEditPoints="1" noAdjustHandles="1" noChangeArrowheads="1" noChangeShapeType="1" noTextEdit="1"/>
-              </p:cNvSpPr>
-              <p:nvPr>
-                <p:ph sz="quarter" idx="13"/>
-              </p:nvPr>
-            </p:nvSpPr>
-            <p:spPr>
-              <a:blipFill>
-                <a:blip r:embed="rId2"/>
-                <a:stretch>
-                  <a:fillRect l="-651" t="-1575"/>
-                </a:stretch>
-              </a:blipFill>
-            </p:spPr>
-            <p:txBody>
-              <a:bodyPr/>
-              <a:lstStyle/>
-              <a:p>
-                <a:r>
-                  <a:rPr lang="en-CH">
-                    <a:noFill/>
-                  </a:rPr>
-                  <a:t> </a:t>
-                </a:r>
-              </a:p>
-            </p:txBody>
-          </p:sp>
-        </mc:Fallback>
-      </mc:AlternateContent>
-    </p:spTree>
-    <p:extLst>
-      <p:ext uri="{BB962C8B-B14F-4D97-AF65-F5344CB8AC3E}">
-        <p14:creationId xmlns:p14="http://schemas.microsoft.com/office/powerpoint/2010/main" val="1844145405"/>
-      </p:ext>
-    </p:extLst>
-  </p:cSld>
-  <p:clrMapOvr>
-    <a:masterClrMapping/>
-  </p:clrMapOvr>
-</p:sld>
-</file>
-
-<file path=ppt/slides/slide11.xml><?xml version="1.0" encoding="utf-8"?>
-<p:sld xmlns:a="http://schemas.openxmlformats.org/drawingml/2006/main" xmlns:r="http://schemas.openxmlformats.org/officeDocument/2006/relationships" xmlns:p="http://schemas.openxmlformats.org/presentationml/2006/main">
-  <p:cSld>
-    <p:spTree>
-      <p:nvGrpSpPr>
-        <p:cNvPr id="1" name=""/>
-        <p:cNvGrpSpPr/>
-        <p:nvPr/>
-      </p:nvGrpSpPr>
-      <p:grpSpPr>
-        <a:xfrm>
-          <a:off x="0" y="0"/>
-          <a:ext cx="0" cy="0"/>
-          <a:chOff x="0" y="0"/>
-          <a:chExt cx="0" cy="0"/>
-        </a:xfrm>
-      </p:grpSpPr>
-      <p:sp>
-        <p:nvSpPr>
-          <p:cNvPr id="4" name="Title 3">
-            <a:extLst>
-              <a:ext uri="{FF2B5EF4-FFF2-40B4-BE49-F238E27FC236}">
-                <a16:creationId xmlns:a16="http://schemas.microsoft.com/office/drawing/2014/main" id="{4CFD4528-2BB6-DA51-122A-993728681618}"/>
-              </a:ext>
-            </a:extLst>
-          </p:cNvPr>
-          <p:cNvSpPr>
-            <a:spLocks noGrp="1"/>
-          </p:cNvSpPr>
-          <p:nvPr>
-            <p:ph type="title"/>
-          </p:nvPr>
-        </p:nvSpPr>
-        <p:spPr/>
-        <p:txBody>
-          <a:bodyPr/>
-          <a:lstStyle/>
-          <a:p>
-            <a:r>
-              <a:rPr lang="en-CH" dirty="0"/>
-              <a:t>Two-port networks</a:t>
-            </a:r>
-          </a:p>
-        </p:txBody>
-      </p:sp>
-      <p:sp>
-        <p:nvSpPr>
-          <p:cNvPr id="7" name="Footer Placeholder 6">
-            <a:extLst>
-              <a:ext uri="{FF2B5EF4-FFF2-40B4-BE49-F238E27FC236}">
-                <a16:creationId xmlns:a16="http://schemas.microsoft.com/office/drawing/2014/main" id="{C2087B21-59E7-351E-453B-C0FB4499D72D}"/>
-              </a:ext>
-            </a:extLst>
-          </p:cNvPr>
-          <p:cNvSpPr>
-            <a:spLocks noGrp="1"/>
-          </p:cNvSpPr>
-          <p:nvPr>
-            <p:ph type="ftr" sz="quarter" idx="11"/>
-          </p:nvPr>
-        </p:nvSpPr>
-        <p:spPr>
-          <a:xfrm>
-            <a:off x="2188801" y="5444450"/>
-            <a:ext cx="4765672" cy="270000"/>
-          </a:xfrm>
-        </p:spPr>
-        <p:txBody>
-          <a:bodyPr/>
-          <a:lstStyle/>
-          <a:p>
-            <a:r>
-              <a:rPr lang="en-GB" dirty="0"/>
-              <a:t>Principles of Measurement Systems 4th Edition, John P. Bentley, p.</a:t>
-            </a:r>
-            <a:r>
-              <a:rPr lang="en-CH" dirty="0"/>
-              <a:t>84-93</a:t>
-            </a:r>
-          </a:p>
-        </p:txBody>
-      </p:sp>
-      <p:pic>
-        <p:nvPicPr>
-          <p:cNvPr id="5" name="Content Placeholder 4">
-            <a:extLst>
-              <a:ext uri="{FF2B5EF4-FFF2-40B4-BE49-F238E27FC236}">
-                <a16:creationId xmlns:a16="http://schemas.microsoft.com/office/drawing/2014/main" id="{BBA67367-62DE-46CB-BCFD-B91AF3491C2D}"/>
-              </a:ext>
-            </a:extLst>
-          </p:cNvPr>
-          <p:cNvPicPr>
-            <a:picLocks noGrp="1" noChangeAspect="1"/>
-          </p:cNvPicPr>
-          <p:nvPr>
-            <p:ph sz="quarter" idx="13"/>
-          </p:nvPr>
-        </p:nvPicPr>
-        <p:blipFill rotWithShape="1">
-          <a:blip r:embed="rId3"/>
-          <a:srcRect t="1104" b="1225"/>
-          <a:stretch/>
-        </p:blipFill>
-        <p:spPr>
-          <a:xfrm>
-            <a:off x="360000" y="247015"/>
-            <a:ext cx="8424000" cy="4975860"/>
-          </a:xfrm>
-        </p:spPr>
-      </p:pic>
-    </p:spTree>
-    <p:extLst>
-      <p:ext uri="{BB962C8B-B14F-4D97-AF65-F5344CB8AC3E}">
-        <p14:creationId xmlns:p14="http://schemas.microsoft.com/office/powerpoint/2010/main" val="1186119132"/>
-      </p:ext>
-    </p:extLst>
-  </p:cSld>
-  <p:clrMapOvr>
-    <a:masterClrMapping/>
-  </p:clrMapOvr>
-</p:sld>
-</file>
-
-<file path=ppt/slides/slide12.xml><?xml version="1.0" encoding="utf-8"?>
 <p:sld xmlns:a="http://schemas.openxmlformats.org/drawingml/2006/main" xmlns:r="http://schemas.openxmlformats.org/officeDocument/2006/relationships" xmlns:p="http://schemas.openxmlformats.org/presentationml/2006/main">
   <p:cSld>
     <p:spTree>
@@ -12419,7 +11826,7 @@
 </p:sld>
 </file>
 
-<file path=ppt/slides/slide13.xml><?xml version="1.0" encoding="utf-8"?>
+<file path=ppt/slides/slide11.xml><?xml version="1.0" encoding="utf-8"?>
 <p:sld xmlns:a="http://schemas.openxmlformats.org/drawingml/2006/main" xmlns:r="http://schemas.openxmlformats.org/officeDocument/2006/relationships" xmlns:p="http://schemas.openxmlformats.org/presentationml/2006/main">
   <p:cSld>
     <p:spTree>
@@ -13894,7 +13301,7 @@
 </p:sld>
 </file>
 
-<file path=ppt/slides/slide14.xml><?xml version="1.0" encoding="utf-8"?>
+<file path=ppt/slides/slide12.xml><?xml version="1.0" encoding="utf-8"?>
 <p:sld xmlns:a="http://schemas.openxmlformats.org/drawingml/2006/main" xmlns:r="http://schemas.openxmlformats.org/officeDocument/2006/relationships" xmlns:p="http://schemas.openxmlformats.org/presentationml/2006/main">
   <p:cSld>
     <p:spTree>
@@ -14038,7 +13445,7 @@
 </p:sld>
 </file>
 
-<file path=ppt/slides/slide15.xml><?xml version="1.0" encoding="utf-8"?>
+<file path=ppt/slides/slide13.xml><?xml version="1.0" encoding="utf-8"?>
 <p:sld xmlns:a="http://schemas.openxmlformats.org/drawingml/2006/main" xmlns:r="http://schemas.openxmlformats.org/officeDocument/2006/relationships" xmlns:p="http://schemas.openxmlformats.org/presentationml/2006/main">
   <p:cSld>
     <p:spTree>
@@ -14204,7 +13611,7 @@
 </p:sld>
 </file>
 
-<file path=ppt/slides/slide16.xml><?xml version="1.0" encoding="utf-8"?>
+<file path=ppt/slides/slide14.xml><?xml version="1.0" encoding="utf-8"?>
 <p:sld xmlns:a="http://schemas.openxmlformats.org/drawingml/2006/main" xmlns:r="http://schemas.openxmlformats.org/officeDocument/2006/relationships" xmlns:p="http://schemas.openxmlformats.org/presentationml/2006/main">
   <p:cSld>
     <p:spTree>
@@ -14370,7 +13777,7 @@
 </p:sld>
 </file>
 
-<file path=ppt/slides/slide17.xml><?xml version="1.0" encoding="utf-8"?>
+<file path=ppt/slides/slide15.xml><?xml version="1.0" encoding="utf-8"?>
 <p:sld xmlns:a="http://schemas.openxmlformats.org/drawingml/2006/main" xmlns:r="http://schemas.openxmlformats.org/officeDocument/2006/relationships" xmlns:p="http://schemas.openxmlformats.org/presentationml/2006/main">
   <p:cSld>
     <p:spTree>
@@ -14507,7 +13914,7 @@
 </p:sld>
 </file>
 
-<file path=ppt/slides/slide18.xml><?xml version="1.0" encoding="utf-8"?>
+<file path=ppt/slides/slide16.xml><?xml version="1.0" encoding="utf-8"?>
 <p:sld xmlns:a="http://schemas.openxmlformats.org/drawingml/2006/main" xmlns:r="http://schemas.openxmlformats.org/officeDocument/2006/relationships" xmlns:p="http://schemas.openxmlformats.org/presentationml/2006/main">
   <p:cSld>
     <p:spTree>
@@ -15493,7 +14900,7 @@
 </p:sld>
 </file>
 
-<file path=ppt/slides/slide19.xml><?xml version="1.0" encoding="utf-8"?>
+<file path=ppt/slides/slide17.xml><?xml version="1.0" encoding="utf-8"?>
 <p:sld xmlns:a="http://schemas.openxmlformats.org/drawingml/2006/main" xmlns:r="http://schemas.openxmlformats.org/officeDocument/2006/relationships" xmlns:p="http://schemas.openxmlformats.org/presentationml/2006/main">
   <p:cSld>
     <p:spTree>
@@ -15608,7 +15015,7 @@
         </p:nvSpPr>
         <p:spPr>
           <a:xfrm>
-            <a:off x="3606256" y="1914767"/>
+            <a:off x="3606256" y="1913302"/>
             <a:ext cx="1371346" cy="2460955"/>
           </a:xfrm>
           <a:prstGeom prst="roundRect">
@@ -16669,365 +16076,7 @@
 </p:sld>
 </file>
 
-<file path=ppt/slides/slide2.xml><?xml version="1.0" encoding="utf-8"?>
-<p:sld xmlns:a="http://schemas.openxmlformats.org/drawingml/2006/main" xmlns:r="http://schemas.openxmlformats.org/officeDocument/2006/relationships" xmlns:p="http://schemas.openxmlformats.org/presentationml/2006/main" show="0">
-  <p:cSld>
-    <p:spTree>
-      <p:nvGrpSpPr>
-        <p:cNvPr id="1" name=""/>
-        <p:cNvGrpSpPr/>
-        <p:nvPr/>
-      </p:nvGrpSpPr>
-      <p:grpSpPr>
-        <a:xfrm>
-          <a:off x="0" y="0"/>
-          <a:ext cx="0" cy="0"/>
-          <a:chOff x="0" y="0"/>
-          <a:chExt cx="0" cy="0"/>
-        </a:xfrm>
-      </p:grpSpPr>
-      <p:sp>
-        <p:nvSpPr>
-          <p:cNvPr id="4" name="Title 3">
-            <a:extLst>
-              <a:ext uri="{FF2B5EF4-FFF2-40B4-BE49-F238E27FC236}">
-                <a16:creationId xmlns:a16="http://schemas.microsoft.com/office/drawing/2014/main" id="{4CFD4528-2BB6-DA51-122A-993728681618}"/>
-              </a:ext>
-            </a:extLst>
-          </p:cNvPr>
-          <p:cNvSpPr>
-            <a:spLocks noGrp="1"/>
-          </p:cNvSpPr>
-          <p:nvPr>
-            <p:ph type="title"/>
-          </p:nvPr>
-        </p:nvSpPr>
-        <p:spPr/>
-        <p:txBody>
-          <a:bodyPr>
-            <a:normAutofit/>
-          </a:bodyPr>
-          <a:lstStyle/>
-          <a:p>
-            <a:r>
-              <a:rPr lang="en-CH" sz="4000" dirty="0"/>
-              <a:t>Required Content</a:t>
-            </a:r>
-          </a:p>
-        </p:txBody>
-      </p:sp>
-      <p:sp>
-        <p:nvSpPr>
-          <p:cNvPr id="7" name="Text Placeholder 6">
-            <a:extLst>
-              <a:ext uri="{FF2B5EF4-FFF2-40B4-BE49-F238E27FC236}">
-                <a16:creationId xmlns:a16="http://schemas.microsoft.com/office/drawing/2014/main" id="{2672C02B-89BB-AD68-FE16-6E4D8E2E4E40}"/>
-              </a:ext>
-            </a:extLst>
-          </p:cNvPr>
-          <p:cNvSpPr>
-            <a:spLocks noGrp="1"/>
-          </p:cNvSpPr>
-          <p:nvPr>
-            <p:ph sz="quarter" idx="13"/>
-          </p:nvPr>
-        </p:nvSpPr>
-        <p:spPr/>
-        <p:txBody>
-          <a:bodyPr/>
-          <a:lstStyle/>
-          <a:p>
-            <a:r>
-              <a:rPr lang="en-GB" dirty="0">
-                <a:effectLst/>
-              </a:rPr>
-              <a:t>B</a:t>
-            </a:r>
-            <a:r>
-              <a:rPr lang="en-CH" dirty="0" err="1">
-                <a:effectLst/>
-              </a:rPr>
-              <a:t>laBla</a:t>
-            </a:r>
-            <a:r>
-              <a:rPr lang="en-CH" dirty="0" err="1"/>
-              <a:t>B</a:t>
-            </a:r>
-            <a:r>
-              <a:rPr lang="en-CH" dirty="0" err="1">
-                <a:effectLst/>
-              </a:rPr>
-              <a:t>la</a:t>
-            </a:r>
-            <a:endParaRPr lang="en-CH" dirty="0">
-              <a:effectLst/>
-            </a:endParaRPr>
-          </a:p>
-          <a:p>
-            <a:r>
-              <a:rPr lang="en-GB" dirty="0">
-                <a:effectLst/>
-              </a:rPr>
-              <a:t>B</a:t>
-            </a:r>
-            <a:r>
-              <a:rPr lang="en-CH" dirty="0" err="1">
-                <a:effectLst/>
-              </a:rPr>
-              <a:t>laBla</a:t>
-            </a:r>
-            <a:r>
-              <a:rPr lang="en-CH" dirty="0" err="1"/>
-              <a:t>B</a:t>
-            </a:r>
-            <a:r>
-              <a:rPr lang="en-CH" dirty="0" err="1">
-                <a:effectLst/>
-              </a:rPr>
-              <a:t>la</a:t>
-            </a:r>
-            <a:endParaRPr lang="en-CH" dirty="0">
-              <a:effectLst/>
-            </a:endParaRPr>
-          </a:p>
-          <a:p>
-            <a:r>
-              <a:rPr lang="en-GB" dirty="0">
-                <a:effectLst/>
-              </a:rPr>
-              <a:t>B</a:t>
-            </a:r>
-            <a:r>
-              <a:rPr lang="en-CH" dirty="0" err="1">
-                <a:effectLst/>
-              </a:rPr>
-              <a:t>laBla</a:t>
-            </a:r>
-            <a:r>
-              <a:rPr lang="en-CH" dirty="0" err="1"/>
-              <a:t>B</a:t>
-            </a:r>
-            <a:r>
-              <a:rPr lang="en-CH" dirty="0" err="1">
-                <a:effectLst/>
-              </a:rPr>
-              <a:t>la</a:t>
-            </a:r>
-            <a:endParaRPr lang="en-CH" dirty="0"/>
-          </a:p>
-          <a:p>
-            <a:r>
-              <a:rPr lang="en-GB" dirty="0">
-                <a:effectLst/>
-              </a:rPr>
-              <a:t>B</a:t>
-            </a:r>
-            <a:r>
-              <a:rPr lang="en-CH" dirty="0" err="1">
-                <a:effectLst/>
-              </a:rPr>
-              <a:t>laBla</a:t>
-            </a:r>
-            <a:r>
-              <a:rPr lang="en-CH" dirty="0" err="1"/>
-              <a:t>B</a:t>
-            </a:r>
-            <a:r>
-              <a:rPr lang="en-CH" dirty="0" err="1">
-                <a:effectLst/>
-              </a:rPr>
-              <a:t>la</a:t>
-            </a:r>
-            <a:endParaRPr lang="en-CH" dirty="0">
-              <a:effectLst/>
-            </a:endParaRPr>
-          </a:p>
-          <a:p>
-            <a:r>
-              <a:rPr lang="en-GB" dirty="0">
-                <a:effectLst/>
-              </a:rPr>
-              <a:t>B</a:t>
-            </a:r>
-            <a:r>
-              <a:rPr lang="en-CH" dirty="0" err="1">
-                <a:effectLst/>
-              </a:rPr>
-              <a:t>laBla</a:t>
-            </a:r>
-            <a:r>
-              <a:rPr lang="en-CH" dirty="0" err="1"/>
-              <a:t>B</a:t>
-            </a:r>
-            <a:r>
-              <a:rPr lang="en-CH" dirty="0" err="1">
-                <a:effectLst/>
-              </a:rPr>
-              <a:t>la</a:t>
-            </a:r>
-            <a:endParaRPr lang="en-CH" dirty="0">
-              <a:effectLst/>
-            </a:endParaRPr>
-          </a:p>
-          <a:p>
-            <a:endParaRPr lang="en-CH" dirty="0">
-              <a:effectLst/>
-            </a:endParaRPr>
-          </a:p>
-        </p:txBody>
-      </p:sp>
-    </p:spTree>
-    <p:extLst>
-      <p:ext uri="{BB962C8B-B14F-4D97-AF65-F5344CB8AC3E}">
-        <p14:creationId xmlns:p14="http://schemas.microsoft.com/office/powerpoint/2010/main" val="2914089871"/>
-      </p:ext>
-    </p:extLst>
-  </p:cSld>
-  <p:clrMapOvr>
-    <a:masterClrMapping/>
-  </p:clrMapOvr>
-</p:sld>
-</file>
-
-<file path=ppt/slides/slide20.xml><?xml version="1.0" encoding="utf-8"?>
-<p:sld xmlns:a="http://schemas.openxmlformats.org/drawingml/2006/main" xmlns:r="http://schemas.openxmlformats.org/officeDocument/2006/relationships" xmlns:p="http://schemas.openxmlformats.org/presentationml/2006/main" show="0">
-  <p:cSld>
-    <p:spTree>
-      <p:nvGrpSpPr>
-        <p:cNvPr id="1" name=""/>
-        <p:cNvGrpSpPr/>
-        <p:nvPr/>
-      </p:nvGrpSpPr>
-      <p:grpSpPr>
-        <a:xfrm>
-          <a:off x="0" y="0"/>
-          <a:ext cx="0" cy="0"/>
-          <a:chOff x="0" y="0"/>
-          <a:chExt cx="0" cy="0"/>
-        </a:xfrm>
-      </p:grpSpPr>
-      <p:sp>
-        <p:nvSpPr>
-          <p:cNvPr id="4" name="Title 3">
-            <a:extLst>
-              <a:ext uri="{FF2B5EF4-FFF2-40B4-BE49-F238E27FC236}">
-                <a16:creationId xmlns:a16="http://schemas.microsoft.com/office/drawing/2014/main" id="{4CFD4528-2BB6-DA51-122A-993728681618}"/>
-              </a:ext>
-            </a:extLst>
-          </p:cNvPr>
-          <p:cNvSpPr>
-            <a:spLocks noGrp="1"/>
-          </p:cNvSpPr>
-          <p:nvPr>
-            <p:ph type="title"/>
-          </p:nvPr>
-        </p:nvSpPr>
-        <p:spPr/>
-        <p:txBody>
-          <a:bodyPr>
-            <a:normAutofit fontScale="90000"/>
-          </a:bodyPr>
-          <a:lstStyle/>
-          <a:p>
-            <a:r>
-              <a:rPr lang="en-CH" dirty="0"/>
-              <a:t>Process Loading</a:t>
-            </a:r>
-            <a:br>
-              <a:rPr lang="en-CH" dirty="0"/>
-            </a:br>
-            <a:r>
-              <a:rPr lang="en-CH" sz="1800" b="0" dirty="0">
-                <a:latin typeface="Inter Light" panose="02000403000000020004" pitchFamily="50" charset="0"/>
-                <a:ea typeface="Inter Light" panose="02000403000000020004" pitchFamily="50" charset="0"/>
-                <a:cs typeface="Inter Light" panose="02000403000000020004" pitchFamily="50" charset="0"/>
-              </a:rPr>
-              <a:t>Two-port networks</a:t>
-            </a:r>
-          </a:p>
-        </p:txBody>
-      </p:sp>
-      <p:sp>
-        <p:nvSpPr>
-          <p:cNvPr id="7" name="Footer Placeholder 6">
-            <a:extLst>
-              <a:ext uri="{FF2B5EF4-FFF2-40B4-BE49-F238E27FC236}">
-                <a16:creationId xmlns:a16="http://schemas.microsoft.com/office/drawing/2014/main" id="{C2087B21-59E7-351E-453B-C0FB4499D72D}"/>
-              </a:ext>
-            </a:extLst>
-          </p:cNvPr>
-          <p:cNvSpPr>
-            <a:spLocks noGrp="1"/>
-          </p:cNvSpPr>
-          <p:nvPr>
-            <p:ph type="ftr" sz="quarter" idx="11"/>
-          </p:nvPr>
-        </p:nvSpPr>
-        <p:spPr/>
-        <p:txBody>
-          <a:bodyPr/>
-          <a:lstStyle/>
-          <a:p>
-            <a:r>
-              <a:rPr lang="en-GB" dirty="0"/>
-              <a:t>Principles of Measurement Systems 4th Edition, John P. Bentley, p.</a:t>
-            </a:r>
-            <a:r>
-              <a:rPr lang="en-CH" dirty="0"/>
-              <a:t>84-93</a:t>
-            </a:r>
-          </a:p>
-        </p:txBody>
-      </p:sp>
-      <p:sp>
-        <p:nvSpPr>
-          <p:cNvPr id="8" name="Content Placeholder 7">
-            <a:extLst>
-              <a:ext uri="{FF2B5EF4-FFF2-40B4-BE49-F238E27FC236}">
-                <a16:creationId xmlns:a16="http://schemas.microsoft.com/office/drawing/2014/main" id="{00D392B3-445D-2498-5DA5-62B8A057CF8B}"/>
-              </a:ext>
-            </a:extLst>
-          </p:cNvPr>
-          <p:cNvSpPr>
-            <a:spLocks noGrp="1"/>
-          </p:cNvSpPr>
-          <p:nvPr>
-            <p:ph sz="quarter" idx="13"/>
-          </p:nvPr>
-        </p:nvSpPr>
-        <p:spPr/>
-        <p:txBody>
-          <a:bodyPr/>
-          <a:lstStyle/>
-          <a:p>
-            <a:r>
-              <a:rPr lang="en-CH" dirty="0"/>
-              <a:t>Stuff left to do</a:t>
-            </a:r>
-          </a:p>
-          <a:p>
-            <a:pPr lvl="1"/>
-            <a:r>
-              <a:rPr lang="en-CH" dirty="0"/>
-              <a:t>Bilateral Transducers</a:t>
-            </a:r>
-          </a:p>
-        </p:txBody>
-      </p:sp>
-    </p:spTree>
-    <p:extLst>
-      <p:ext uri="{BB962C8B-B14F-4D97-AF65-F5344CB8AC3E}">
-        <p14:creationId xmlns:p14="http://schemas.microsoft.com/office/powerpoint/2010/main" val="696691259"/>
-      </p:ext>
-    </p:extLst>
-  </p:cSld>
-  <p:clrMapOvr>
-    <a:masterClrMapping/>
-  </p:clrMapOvr>
-</p:sld>
-</file>
-
-<file path=ppt/slides/slide21.xml><?xml version="1.0" encoding="utf-8"?>
+<file path=ppt/slides/slide18.xml><?xml version="1.0" encoding="utf-8"?>
 <p:sld xmlns:a="http://schemas.openxmlformats.org/drawingml/2006/main" xmlns:r="http://schemas.openxmlformats.org/officeDocument/2006/relationships" xmlns:p="http://schemas.openxmlformats.org/presentationml/2006/main">
   <p:cSld>
     <p:spTree>
@@ -17231,7 +16280,7 @@
 </p:sld>
 </file>
 
-<file path=ppt/slides/slide22.xml><?xml version="1.0" encoding="utf-8"?>
+<file path=ppt/slides/slide19.xml><?xml version="1.0" encoding="utf-8"?>
 <p:sld xmlns:a="http://schemas.openxmlformats.org/drawingml/2006/main" xmlns:r="http://schemas.openxmlformats.org/officeDocument/2006/relationships" xmlns:p="http://schemas.openxmlformats.org/presentationml/2006/main">
   <p:cSld>
     <p:spTree>
@@ -17384,7 +16433,7 @@
         </p:blipFill>
         <p:spPr>
           <a:xfrm>
-            <a:off x="1611517" y="2136618"/>
+            <a:off x="1609136" y="2136618"/>
             <a:ext cx="760492" cy="1964602"/>
           </a:xfrm>
           <a:prstGeom prst="rect">
@@ -17458,7 +16507,7 @@
         </p:blipFill>
         <p:spPr>
           <a:xfrm>
-            <a:off x="5875697" y="2073243"/>
+            <a:off x="5878078" y="2073243"/>
             <a:ext cx="760492" cy="2027977"/>
           </a:xfrm>
           <a:prstGeom prst="rect">
@@ -17596,7 +16645,7 @@
 </p:sld>
 </file>
 
-<file path=ppt/slides/slide3.xml><?xml version="1.0" encoding="utf-8"?>
+<file path=ppt/slides/slide2.xml><?xml version="1.0" encoding="utf-8"?>
 <p:sld xmlns:a="http://schemas.openxmlformats.org/drawingml/2006/main" xmlns:r="http://schemas.openxmlformats.org/officeDocument/2006/relationships" xmlns:p="http://schemas.openxmlformats.org/presentationml/2006/main">
   <p:cSld>
     <p:spTree>
@@ -17678,6 +16727,394 @@
     <p:extLst>
       <p:ext uri="{BB962C8B-B14F-4D97-AF65-F5344CB8AC3E}">
         <p14:creationId xmlns:p14="http://schemas.microsoft.com/office/powerpoint/2010/main" val="3161146745"/>
+      </p:ext>
+    </p:extLst>
+  </p:cSld>
+  <p:clrMapOvr>
+    <a:masterClrMapping/>
+  </p:clrMapOvr>
+</p:sld>
+</file>
+
+<file path=ppt/slides/slide3.xml><?xml version="1.0" encoding="utf-8"?>
+<p:sld xmlns:a="http://schemas.openxmlformats.org/drawingml/2006/main" xmlns:r="http://schemas.openxmlformats.org/officeDocument/2006/relationships" xmlns:p="http://schemas.openxmlformats.org/presentationml/2006/main">
+  <p:cSld>
+    <p:spTree>
+      <p:nvGrpSpPr>
+        <p:cNvPr id="1" name=""/>
+        <p:cNvGrpSpPr/>
+        <p:nvPr/>
+      </p:nvGrpSpPr>
+      <p:grpSpPr>
+        <a:xfrm>
+          <a:off x="0" y="0"/>
+          <a:ext cx="0" cy="0"/>
+          <a:chOff x="0" y="0"/>
+          <a:chExt cx="0" cy="0"/>
+        </a:xfrm>
+      </p:grpSpPr>
+      <p:sp>
+        <p:nvSpPr>
+          <p:cNvPr id="4" name="Title 3">
+            <a:extLst>
+              <a:ext uri="{FF2B5EF4-FFF2-40B4-BE49-F238E27FC236}">
+                <a16:creationId xmlns:a16="http://schemas.microsoft.com/office/drawing/2014/main" id="{4CFD4528-2BB6-DA51-122A-993728681618}"/>
+              </a:ext>
+            </a:extLst>
+          </p:cNvPr>
+          <p:cNvSpPr>
+            <a:spLocks noGrp="1"/>
+          </p:cNvSpPr>
+          <p:nvPr>
+            <p:ph type="title"/>
+          </p:nvPr>
+        </p:nvSpPr>
+        <p:spPr/>
+        <p:txBody>
+          <a:bodyPr>
+            <a:normAutofit fontScale="90000"/>
+          </a:bodyPr>
+          <a:lstStyle/>
+          <a:p>
+            <a:r>
+              <a:rPr lang="en-CH" dirty="0" err="1"/>
+              <a:t>Thévenin</a:t>
+            </a:r>
+            <a:r>
+              <a:rPr lang="en-CH" dirty="0"/>
+              <a:t> Equivalent</a:t>
+            </a:r>
+            <a:br>
+              <a:rPr lang="en-CH" sz="3200" dirty="0"/>
+            </a:br>
+            <a:r>
+              <a:rPr lang="en-CH" sz="1800" b="0" dirty="0">
+                <a:latin typeface="Inter Light" panose="02000403000000020004" pitchFamily="50" charset="0"/>
+                <a:ea typeface="Inter Light" panose="02000403000000020004" pitchFamily="50" charset="0"/>
+                <a:cs typeface="Inter Light" panose="02000403000000020004" pitchFamily="50" charset="0"/>
+              </a:rPr>
+              <a:t>Electrical Loading</a:t>
+            </a:r>
+            <a:endParaRPr lang="en-CH" dirty="0"/>
+          </a:p>
+        </p:txBody>
+      </p:sp>
+      <p:sp>
+        <p:nvSpPr>
+          <p:cNvPr id="7" name="Footer Placeholder 6">
+            <a:extLst>
+              <a:ext uri="{FF2B5EF4-FFF2-40B4-BE49-F238E27FC236}">
+                <a16:creationId xmlns:a16="http://schemas.microsoft.com/office/drawing/2014/main" id="{C2087B21-59E7-351E-453B-C0FB4499D72D}"/>
+              </a:ext>
+            </a:extLst>
+          </p:cNvPr>
+          <p:cNvSpPr>
+            <a:spLocks noGrp="1"/>
+          </p:cNvSpPr>
+          <p:nvPr>
+            <p:ph type="ftr" sz="quarter" idx="11"/>
+          </p:nvPr>
+        </p:nvSpPr>
+        <p:spPr>
+          <a:xfrm>
+            <a:off x="2104911" y="5444450"/>
+            <a:ext cx="4933452" cy="270000"/>
+          </a:xfrm>
+        </p:spPr>
+        <p:txBody>
+          <a:bodyPr/>
+          <a:lstStyle/>
+          <a:p>
+            <a:r>
+              <a:rPr lang="en-GB" dirty="0"/>
+              <a:t>Principles of Measurement Systems 4th Edition, John P. Bentley, p.</a:t>
+            </a:r>
+            <a:r>
+              <a:rPr lang="en-CH" dirty="0"/>
+              <a:t>77-82</a:t>
+            </a:r>
+          </a:p>
+        </p:txBody>
+      </p:sp>
+      <p:pic>
+        <p:nvPicPr>
+          <p:cNvPr id="8" name="Content Placeholder 7">
+            <a:extLst>
+              <a:ext uri="{FF2B5EF4-FFF2-40B4-BE49-F238E27FC236}">
+                <a16:creationId xmlns:a16="http://schemas.microsoft.com/office/drawing/2014/main" id="{99EA3D04-E191-7ADF-087C-99CA894D3E40}"/>
+              </a:ext>
+            </a:extLst>
+          </p:cNvPr>
+          <p:cNvPicPr>
+            <a:picLocks noGrp="1" noChangeAspect="1"/>
+          </p:cNvPicPr>
+          <p:nvPr>
+            <p:ph sz="quarter" idx="13"/>
+          </p:nvPr>
+        </p:nvPicPr>
+        <p:blipFill>
+          <a:blip r:embed="rId2"/>
+          <a:stretch>
+            <a:fillRect/>
+          </a:stretch>
+        </p:blipFill>
+        <p:spPr>
+          <a:xfrm>
+            <a:off x="408613" y="1396725"/>
+            <a:ext cx="8326048" cy="3169199"/>
+          </a:xfrm>
+        </p:spPr>
+      </p:pic>
+      <mc:AlternateContent xmlns:mc="http://schemas.openxmlformats.org/markup-compatibility/2006">
+        <mc:Choice xmlns:a14="http://schemas.microsoft.com/office/drawing/2010/main" Requires="a14">
+          <p:sp>
+            <p:nvSpPr>
+              <p:cNvPr id="2" name="TextBox 1">
+                <a:extLst>
+                  <a:ext uri="{FF2B5EF4-FFF2-40B4-BE49-F238E27FC236}">
+                    <a16:creationId xmlns:a16="http://schemas.microsoft.com/office/drawing/2014/main" id="{F89119F8-0BD1-AEF1-E3FD-0F3FFAAF9E25}"/>
+                  </a:ext>
+                </a:extLst>
+              </p:cNvPr>
+              <p:cNvSpPr txBox="1"/>
+              <p:nvPr/>
+            </p:nvSpPr>
+            <p:spPr>
+              <a:xfrm>
+                <a:off x="3606019" y="4317049"/>
+                <a:ext cx="2096921" cy="626518"/>
+              </a:xfrm>
+              <a:prstGeom prst="rect">
+                <a:avLst/>
+              </a:prstGeom>
+              <a:noFill/>
+            </p:spPr>
+            <p:txBody>
+              <a:bodyPr wrap="none" lIns="0" tIns="0" rIns="0" bIns="0" rtlCol="0">
+                <a:spAutoFit/>
+              </a:bodyPr>
+              <a:lstStyle/>
+              <a:p>
+                <a:pPr/>
+                <a14:m>
+                  <m:oMathPara xmlns:m="http://schemas.openxmlformats.org/officeDocument/2006/math">
+                    <m:oMathParaPr>
+                      <m:jc m:val="centerGroup"/>
+                    </m:oMathParaPr>
+                    <m:oMath xmlns:m="http://schemas.openxmlformats.org/officeDocument/2006/math">
+                      <m:sSub>
+                        <m:sSubPr>
+                          <m:ctrlPr>
+                            <a:rPr lang="en-CH" sz="2000" b="0" i="1" smtClean="0">
+                              <a:latin typeface="Cambria Math" panose="02040503050406030204" pitchFamily="18" charset="0"/>
+                            </a:rPr>
+                          </m:ctrlPr>
+                        </m:sSubPr>
+                        <m:e>
+                          <m:r>
+                            <a:rPr lang="en-CH" sz="2000" b="0" i="1" smtClean="0">
+                              <a:latin typeface="Cambria Math" panose="02040503050406030204" pitchFamily="18" charset="0"/>
+                            </a:rPr>
+                            <m:t>𝑉</m:t>
+                          </m:r>
+                        </m:e>
+                        <m:sub>
+                          <m:r>
+                            <a:rPr lang="en-CH" sz="2000" b="0" i="1" smtClean="0">
+                              <a:latin typeface="Cambria Math" panose="02040503050406030204" pitchFamily="18" charset="0"/>
+                            </a:rPr>
+                            <m:t>𝐿</m:t>
+                          </m:r>
+                        </m:sub>
+                      </m:sSub>
+                      <m:r>
+                        <a:rPr lang="en-CH" sz="2000" b="0" i="1" smtClean="0">
+                          <a:latin typeface="Cambria Math" panose="02040503050406030204" pitchFamily="18" charset="0"/>
+                        </a:rPr>
+                        <m:t>=</m:t>
+                      </m:r>
+                      <m:sSub>
+                        <m:sSubPr>
+                          <m:ctrlPr>
+                            <a:rPr lang="en-CH" sz="2000" b="0" i="1" smtClean="0">
+                              <a:latin typeface="Cambria Math" panose="02040503050406030204" pitchFamily="18" charset="0"/>
+                            </a:rPr>
+                          </m:ctrlPr>
+                        </m:sSubPr>
+                        <m:e>
+                          <m:r>
+                            <a:rPr lang="en-CH" sz="2000" b="0" i="1" smtClean="0">
+                              <a:latin typeface="Cambria Math" panose="02040503050406030204" pitchFamily="18" charset="0"/>
+                            </a:rPr>
+                            <m:t>𝐸</m:t>
+                          </m:r>
+                        </m:e>
+                        <m:sub>
+                          <m:r>
+                            <a:rPr lang="en-CH" sz="2000" b="0" i="1" smtClean="0">
+                              <a:latin typeface="Cambria Math" panose="02040503050406030204" pitchFamily="18" charset="0"/>
+                            </a:rPr>
+                            <m:t>𝑇h</m:t>
+                          </m:r>
+                        </m:sub>
+                      </m:sSub>
+                      <m:r>
+                        <a:rPr lang="en-CH" sz="2000" b="0" i="1" smtClean="0">
+                          <a:latin typeface="Cambria Math" panose="02040503050406030204" pitchFamily="18" charset="0"/>
+                        </a:rPr>
+                        <m:t>⋅</m:t>
+                      </m:r>
+                      <m:f>
+                        <m:fPr>
+                          <m:ctrlPr>
+                            <a:rPr lang="en-CH" sz="2000" b="0" i="1" smtClean="0">
+                              <a:latin typeface="Cambria Math" panose="02040503050406030204" pitchFamily="18" charset="0"/>
+                            </a:rPr>
+                          </m:ctrlPr>
+                        </m:fPr>
+                        <m:num>
+                          <m:sSub>
+                            <m:sSubPr>
+                              <m:ctrlPr>
+                                <a:rPr lang="en-CH" sz="2000" b="0" i="1" smtClean="0">
+                                  <a:latin typeface="Cambria Math" panose="02040503050406030204" pitchFamily="18" charset="0"/>
+                                </a:rPr>
+                              </m:ctrlPr>
+                            </m:sSubPr>
+                            <m:e>
+                              <m:r>
+                                <a:rPr lang="en-CH" sz="2000" b="0" i="1" smtClean="0">
+                                  <a:latin typeface="Cambria Math" panose="02040503050406030204" pitchFamily="18" charset="0"/>
+                                </a:rPr>
+                                <m:t>𝑍</m:t>
+                              </m:r>
+                            </m:e>
+                            <m:sub>
+                              <m:r>
+                                <a:rPr lang="en-CH" sz="2000" b="0" i="1" smtClean="0">
+                                  <a:latin typeface="Cambria Math" panose="02040503050406030204" pitchFamily="18" charset="0"/>
+                                </a:rPr>
+                                <m:t>𝐿</m:t>
+                              </m:r>
+                            </m:sub>
+                          </m:sSub>
+                        </m:num>
+                        <m:den>
+                          <m:sSub>
+                            <m:sSubPr>
+                              <m:ctrlPr>
+                                <a:rPr lang="en-CH" sz="2000" b="0" i="1" smtClean="0">
+                                  <a:latin typeface="Cambria Math" panose="02040503050406030204" pitchFamily="18" charset="0"/>
+                                </a:rPr>
+                              </m:ctrlPr>
+                            </m:sSubPr>
+                            <m:e>
+                              <m:r>
+                                <a:rPr lang="en-CH" sz="2000" b="0" i="1" smtClean="0">
+                                  <a:latin typeface="Cambria Math" panose="02040503050406030204" pitchFamily="18" charset="0"/>
+                                </a:rPr>
+                                <m:t>𝑍</m:t>
+                              </m:r>
+                            </m:e>
+                            <m:sub>
+                              <m:r>
+                                <a:rPr lang="en-CH" sz="2000" b="0" i="1" smtClean="0">
+                                  <a:latin typeface="Cambria Math" panose="02040503050406030204" pitchFamily="18" charset="0"/>
+                                </a:rPr>
+                                <m:t>𝑁</m:t>
+                              </m:r>
+                            </m:sub>
+                          </m:sSub>
+                          <m:r>
+                            <a:rPr lang="en-CH" sz="2000" b="0" i="1" smtClean="0">
+                              <a:latin typeface="Cambria Math" panose="02040503050406030204" pitchFamily="18" charset="0"/>
+                            </a:rPr>
+                            <m:t>+</m:t>
+                          </m:r>
+                          <m:sSub>
+                            <m:sSubPr>
+                              <m:ctrlPr>
+                                <a:rPr lang="en-CH" sz="2000" b="0" i="1" smtClean="0">
+                                  <a:latin typeface="Cambria Math" panose="02040503050406030204" pitchFamily="18" charset="0"/>
+                                </a:rPr>
+                              </m:ctrlPr>
+                            </m:sSubPr>
+                            <m:e>
+                              <m:r>
+                                <a:rPr lang="en-CH" sz="2000" b="0" i="1" smtClean="0">
+                                  <a:latin typeface="Cambria Math" panose="02040503050406030204" pitchFamily="18" charset="0"/>
+                                </a:rPr>
+                                <m:t>𝑍</m:t>
+                              </m:r>
+                            </m:e>
+                            <m:sub>
+                              <m:r>
+                                <a:rPr lang="en-CH" sz="2000" b="0" i="1" smtClean="0">
+                                  <a:latin typeface="Cambria Math" panose="02040503050406030204" pitchFamily="18" charset="0"/>
+                                </a:rPr>
+                                <m:t>𝐿</m:t>
+                              </m:r>
+                            </m:sub>
+                          </m:sSub>
+                        </m:den>
+                      </m:f>
+                    </m:oMath>
+                  </m:oMathPara>
+                </a14:m>
+                <a:endParaRPr lang="en-CH" sz="2000" dirty="0"/>
+              </a:p>
+            </p:txBody>
+          </p:sp>
+        </mc:Choice>
+        <mc:Fallback>
+          <p:sp>
+            <p:nvSpPr>
+              <p:cNvPr id="2" name="TextBox 1">
+                <a:extLst>
+                  <a:ext uri="{FF2B5EF4-FFF2-40B4-BE49-F238E27FC236}">
+                    <a16:creationId xmlns:a16="http://schemas.microsoft.com/office/drawing/2014/main" id="{F89119F8-0BD1-AEF1-E3FD-0F3FFAAF9E25}"/>
+                  </a:ext>
+                </a:extLst>
+              </p:cNvPr>
+              <p:cNvSpPr txBox="1">
+                <a:spLocks noRot="1" noChangeAspect="1" noMove="1" noResize="1" noEditPoints="1" noAdjustHandles="1" noChangeArrowheads="1" noChangeShapeType="1" noTextEdit="1"/>
+              </p:cNvSpPr>
+              <p:nvPr/>
+            </p:nvSpPr>
+            <p:spPr>
+              <a:xfrm>
+                <a:off x="3606019" y="4317049"/>
+                <a:ext cx="2096921" cy="626518"/>
+              </a:xfrm>
+              <a:prstGeom prst="rect">
+                <a:avLst/>
+              </a:prstGeom>
+              <a:blipFill>
+                <a:blip r:embed="rId3"/>
+                <a:stretch>
+                  <a:fillRect/>
+                </a:stretch>
+              </a:blipFill>
+            </p:spPr>
+            <p:txBody>
+              <a:bodyPr/>
+              <a:lstStyle/>
+              <a:p>
+                <a:r>
+                  <a:rPr lang="en-CH">
+                    <a:noFill/>
+                  </a:rPr>
+                  <a:t> </a:t>
+                </a:r>
+              </a:p>
+            </p:txBody>
+          </p:sp>
+        </mc:Fallback>
+      </mc:AlternateContent>
+    </p:spTree>
+    <p:extLst>
+      <p:ext uri="{BB962C8B-B14F-4D97-AF65-F5344CB8AC3E}">
+        <p14:creationId xmlns:p14="http://schemas.microsoft.com/office/powerpoint/2010/main" val="2246437025"/>
       </p:ext>
     </p:extLst>
   </p:cSld>
@@ -17733,148 +17170,6 @@
             </a:r>
             <a:r>
               <a:rPr lang="en-CH" dirty="0"/>
-              <a:t> Equivalent</a:t>
-            </a:r>
-            <a:br>
-              <a:rPr lang="en-CH" sz="3200" dirty="0"/>
-            </a:br>
-            <a:r>
-              <a:rPr lang="en-CH" sz="1800" b="0" dirty="0">
-                <a:latin typeface="Inter Light" panose="02000403000000020004" pitchFamily="50" charset="0"/>
-                <a:ea typeface="Inter Light" panose="02000403000000020004" pitchFamily="50" charset="0"/>
-                <a:cs typeface="Inter Light" panose="02000403000000020004" pitchFamily="50" charset="0"/>
-              </a:rPr>
-              <a:t>Electrical Loading</a:t>
-            </a:r>
-            <a:endParaRPr lang="en-CH" dirty="0"/>
-          </a:p>
-        </p:txBody>
-      </p:sp>
-      <p:sp>
-        <p:nvSpPr>
-          <p:cNvPr id="7" name="Footer Placeholder 6">
-            <a:extLst>
-              <a:ext uri="{FF2B5EF4-FFF2-40B4-BE49-F238E27FC236}">
-                <a16:creationId xmlns:a16="http://schemas.microsoft.com/office/drawing/2014/main" id="{C2087B21-59E7-351E-453B-C0FB4499D72D}"/>
-              </a:ext>
-            </a:extLst>
-          </p:cNvPr>
-          <p:cNvSpPr>
-            <a:spLocks noGrp="1"/>
-          </p:cNvSpPr>
-          <p:nvPr>
-            <p:ph type="ftr" sz="quarter" idx="11"/>
-          </p:nvPr>
-        </p:nvSpPr>
-        <p:spPr>
-          <a:xfrm>
-            <a:off x="2104911" y="5444450"/>
-            <a:ext cx="4933452" cy="270000"/>
-          </a:xfrm>
-        </p:spPr>
-        <p:txBody>
-          <a:bodyPr/>
-          <a:lstStyle/>
-          <a:p>
-            <a:r>
-              <a:rPr lang="en-GB" dirty="0"/>
-              <a:t>Principles of Measurement Systems 4th Edition, John P. Bentley, p.</a:t>
-            </a:r>
-            <a:r>
-              <a:rPr lang="en-CH" dirty="0"/>
-              <a:t>77-82</a:t>
-            </a:r>
-          </a:p>
-        </p:txBody>
-      </p:sp>
-      <p:pic>
-        <p:nvPicPr>
-          <p:cNvPr id="8" name="Content Placeholder 7">
-            <a:extLst>
-              <a:ext uri="{FF2B5EF4-FFF2-40B4-BE49-F238E27FC236}">
-                <a16:creationId xmlns:a16="http://schemas.microsoft.com/office/drawing/2014/main" id="{99EA3D04-E191-7ADF-087C-99CA894D3E40}"/>
-              </a:ext>
-            </a:extLst>
-          </p:cNvPr>
-          <p:cNvPicPr>
-            <a:picLocks noGrp="1" noChangeAspect="1"/>
-          </p:cNvPicPr>
-          <p:nvPr>
-            <p:ph sz="quarter" idx="13"/>
-          </p:nvPr>
-        </p:nvPicPr>
-        <p:blipFill>
-          <a:blip r:embed="rId2"/>
-          <a:stretch>
-            <a:fillRect/>
-          </a:stretch>
-        </p:blipFill>
-        <p:spPr>
-          <a:xfrm>
-            <a:off x="408613" y="1396725"/>
-            <a:ext cx="8326048" cy="3169199"/>
-          </a:xfrm>
-        </p:spPr>
-      </p:pic>
-    </p:spTree>
-    <p:extLst>
-      <p:ext uri="{BB962C8B-B14F-4D97-AF65-F5344CB8AC3E}">
-        <p14:creationId xmlns:p14="http://schemas.microsoft.com/office/powerpoint/2010/main" val="2246437025"/>
-      </p:ext>
-    </p:extLst>
-  </p:cSld>
-  <p:clrMapOvr>
-    <a:masterClrMapping/>
-  </p:clrMapOvr>
-</p:sld>
-</file>
-
-<file path=ppt/slides/slide5.xml><?xml version="1.0" encoding="utf-8"?>
-<p:sld xmlns:a="http://schemas.openxmlformats.org/drawingml/2006/main" xmlns:r="http://schemas.openxmlformats.org/officeDocument/2006/relationships" xmlns:p="http://schemas.openxmlformats.org/presentationml/2006/main">
-  <p:cSld>
-    <p:spTree>
-      <p:nvGrpSpPr>
-        <p:cNvPr id="1" name=""/>
-        <p:cNvGrpSpPr/>
-        <p:nvPr/>
-      </p:nvGrpSpPr>
-      <p:grpSpPr>
-        <a:xfrm>
-          <a:off x="0" y="0"/>
-          <a:ext cx="0" cy="0"/>
-          <a:chOff x="0" y="0"/>
-          <a:chExt cx="0" cy="0"/>
-        </a:xfrm>
-      </p:grpSpPr>
-      <p:sp>
-        <p:nvSpPr>
-          <p:cNvPr id="4" name="Title 3">
-            <a:extLst>
-              <a:ext uri="{FF2B5EF4-FFF2-40B4-BE49-F238E27FC236}">
-                <a16:creationId xmlns:a16="http://schemas.microsoft.com/office/drawing/2014/main" id="{4CFD4528-2BB6-DA51-122A-993728681618}"/>
-              </a:ext>
-            </a:extLst>
-          </p:cNvPr>
-          <p:cNvSpPr>
-            <a:spLocks noGrp="1"/>
-          </p:cNvSpPr>
-          <p:nvPr>
-            <p:ph type="title"/>
-          </p:nvPr>
-        </p:nvSpPr>
-        <p:spPr/>
-        <p:txBody>
-          <a:bodyPr>
-            <a:normAutofit fontScale="90000"/>
-          </a:bodyPr>
-          <a:lstStyle/>
-          <a:p>
-            <a:r>
-              <a:rPr lang="en-CH" dirty="0" err="1"/>
-              <a:t>Thévenin</a:t>
-            </a:r>
-            <a:r>
-              <a:rPr lang="en-CH" dirty="0"/>
               <a:t> Equivalent Circuit - Potentiometer</a:t>
             </a:r>
             <a:br>
@@ -18014,7 +17309,7 @@
 </p:sld>
 </file>
 
-<file path=ppt/slides/slide6.xml><?xml version="1.0" encoding="utf-8"?>
+<file path=ppt/slides/slide5.xml><?xml version="1.0" encoding="utf-8"?>
 <p:sld xmlns:a="http://schemas.openxmlformats.org/drawingml/2006/main" xmlns:r="http://schemas.openxmlformats.org/officeDocument/2006/relationships" xmlns:p="http://schemas.openxmlformats.org/presentationml/2006/main">
   <p:cSld>
     <p:spTree>
@@ -18499,149 +17794,7 @@
 </p:sld>
 </file>
 
-<file path=ppt/slides/slide7.xml><?xml version="1.0" encoding="utf-8"?>
-<p:sld xmlns:a="http://schemas.openxmlformats.org/drawingml/2006/main" xmlns:r="http://schemas.openxmlformats.org/officeDocument/2006/relationships" xmlns:p="http://schemas.openxmlformats.org/presentationml/2006/main">
-  <p:cSld>
-    <p:spTree>
-      <p:nvGrpSpPr>
-        <p:cNvPr id="1" name=""/>
-        <p:cNvGrpSpPr/>
-        <p:nvPr/>
-      </p:nvGrpSpPr>
-      <p:grpSpPr>
-        <a:xfrm>
-          <a:off x="0" y="0"/>
-          <a:ext cx="0" cy="0"/>
-          <a:chOff x="0" y="0"/>
-          <a:chExt cx="0" cy="0"/>
-        </a:xfrm>
-      </p:grpSpPr>
-      <p:sp>
-        <p:nvSpPr>
-          <p:cNvPr id="4" name="Title 3">
-            <a:extLst>
-              <a:ext uri="{FF2B5EF4-FFF2-40B4-BE49-F238E27FC236}">
-                <a16:creationId xmlns:a16="http://schemas.microsoft.com/office/drawing/2014/main" id="{4CFD4528-2BB6-DA51-122A-993728681618}"/>
-              </a:ext>
-            </a:extLst>
-          </p:cNvPr>
-          <p:cNvSpPr>
-            <a:spLocks noGrp="1"/>
-          </p:cNvSpPr>
-          <p:nvPr>
-            <p:ph type="title"/>
-          </p:nvPr>
-        </p:nvSpPr>
-        <p:spPr/>
-        <p:txBody>
-          <a:bodyPr>
-            <a:normAutofit fontScale="90000"/>
-          </a:bodyPr>
-          <a:lstStyle/>
-          <a:p>
-            <a:r>
-              <a:rPr lang="en-CH" dirty="0" err="1"/>
-              <a:t>Nortion</a:t>
-            </a:r>
-            <a:r>
-              <a:rPr lang="en-CH" dirty="0"/>
-              <a:t> Equivalent Circuit</a:t>
-            </a:r>
-            <a:br>
-              <a:rPr lang="en-CH" sz="5400" dirty="0"/>
-            </a:br>
-            <a:r>
-              <a:rPr lang="en-CH" sz="1800" b="0" dirty="0">
-                <a:latin typeface="Inter Light" panose="02000403000000020004" pitchFamily="50" charset="0"/>
-                <a:ea typeface="Inter Light" panose="02000403000000020004" pitchFamily="50" charset="0"/>
-                <a:cs typeface="Inter Light" panose="02000403000000020004" pitchFamily="50" charset="0"/>
-              </a:rPr>
-              <a:t>Electrical Loading</a:t>
-            </a:r>
-            <a:endParaRPr lang="en-CH" sz="1800" dirty="0"/>
-          </a:p>
-        </p:txBody>
-      </p:sp>
-      <p:sp>
-        <p:nvSpPr>
-          <p:cNvPr id="7" name="Footer Placeholder 6">
-            <a:extLst>
-              <a:ext uri="{FF2B5EF4-FFF2-40B4-BE49-F238E27FC236}">
-                <a16:creationId xmlns:a16="http://schemas.microsoft.com/office/drawing/2014/main" id="{C2087B21-59E7-351E-453B-C0FB4499D72D}"/>
-              </a:ext>
-            </a:extLst>
-          </p:cNvPr>
-          <p:cNvSpPr>
-            <a:spLocks noGrp="1"/>
-          </p:cNvSpPr>
-          <p:nvPr>
-            <p:ph type="ftr" sz="quarter" idx="11"/>
-          </p:nvPr>
-        </p:nvSpPr>
-        <p:spPr>
-          <a:xfrm>
-            <a:off x="2188801" y="5444450"/>
-            <a:ext cx="4765672" cy="270000"/>
-          </a:xfrm>
-        </p:spPr>
-        <p:txBody>
-          <a:bodyPr/>
-          <a:lstStyle/>
-          <a:p>
-            <a:r>
-              <a:rPr lang="en-GB" dirty="0"/>
-              <a:t>Principles of Measurement Systems 4th Edition, John P. Bentley, p.</a:t>
-            </a:r>
-            <a:r>
-              <a:rPr lang="en-CH" dirty="0"/>
-              <a:t>82-84</a:t>
-            </a:r>
-          </a:p>
-        </p:txBody>
-      </p:sp>
-      <p:pic>
-        <p:nvPicPr>
-          <p:cNvPr id="5" name="Content Placeholder 4">
-            <a:extLst>
-              <a:ext uri="{FF2B5EF4-FFF2-40B4-BE49-F238E27FC236}">
-                <a16:creationId xmlns:a16="http://schemas.microsoft.com/office/drawing/2014/main" id="{10A46979-DE43-BC98-BEAC-8E7F0F0A3631}"/>
-              </a:ext>
-            </a:extLst>
-          </p:cNvPr>
-          <p:cNvPicPr>
-            <a:picLocks noGrp="1" noChangeAspect="1"/>
-          </p:cNvPicPr>
-          <p:nvPr>
-            <p:ph sz="quarter" idx="13"/>
-          </p:nvPr>
-        </p:nvPicPr>
-        <p:blipFill>
-          <a:blip r:embed="rId2"/>
-          <a:stretch>
-            <a:fillRect/>
-          </a:stretch>
-        </p:blipFill>
-        <p:spPr>
-          <a:xfrm>
-            <a:off x="360363" y="1407738"/>
-            <a:ext cx="8423275" cy="3213849"/>
-          </a:xfrm>
-        </p:spPr>
-      </p:pic>
-    </p:spTree>
-    <p:extLst>
-      <p:ext uri="{BB962C8B-B14F-4D97-AF65-F5344CB8AC3E}">
-        <p14:creationId xmlns:p14="http://schemas.microsoft.com/office/powerpoint/2010/main" val="510436913"/>
-      </p:ext>
-    </p:extLst>
-  </p:cSld>
-  <p:clrMapOvr>
-    <a:masterClrMapping/>
-  </p:clrMapOvr>
-</p:sld>
-</file>
-
-<file path=ppt/slides/slide8.xml><?xml version="1.0" encoding="utf-8"?>
+<file path=ppt/slides/slide6.xml><?xml version="1.0" encoding="utf-8"?>
 <p:sld xmlns:a="http://schemas.openxmlformats.org/drawingml/2006/main" xmlns:r="http://schemas.openxmlformats.org/officeDocument/2006/relationships" xmlns:p="http://schemas.openxmlformats.org/presentationml/2006/main">
   <p:cSld>
     <p:spTree>
@@ -19060,7 +18213,7 @@
 </p:sld>
 </file>
 
-<file path=ppt/slides/slide9.xml><?xml version="1.0" encoding="utf-8"?>
+<file path=ppt/slides/slide7.xml><?xml version="1.0" encoding="utf-8"?>
 <p:sld xmlns:a="http://schemas.openxmlformats.org/drawingml/2006/main" xmlns:r="http://schemas.openxmlformats.org/officeDocument/2006/relationships" xmlns:p="http://schemas.openxmlformats.org/presentationml/2006/main">
   <p:cSld>
     <p:spTree>
@@ -19942,6 +19095,562 @@
     <p:extLst>
       <p:ext uri="{BB962C8B-B14F-4D97-AF65-F5344CB8AC3E}">
         <p14:creationId xmlns:p14="http://schemas.microsoft.com/office/powerpoint/2010/main" val="2363584780"/>
+      </p:ext>
+    </p:extLst>
+  </p:cSld>
+  <p:clrMapOvr>
+    <a:masterClrMapping/>
+  </p:clrMapOvr>
+</p:sld>
+</file>
+
+<file path=ppt/slides/slide8.xml><?xml version="1.0" encoding="utf-8"?>
+<p:sld xmlns:a="http://schemas.openxmlformats.org/drawingml/2006/main" xmlns:r="http://schemas.openxmlformats.org/officeDocument/2006/relationships" xmlns:p="http://schemas.openxmlformats.org/presentationml/2006/main">
+  <p:cSld>
+    <p:spTree>
+      <p:nvGrpSpPr>
+        <p:cNvPr id="1" name=""/>
+        <p:cNvGrpSpPr/>
+        <p:nvPr/>
+      </p:nvGrpSpPr>
+      <p:grpSpPr>
+        <a:xfrm>
+          <a:off x="0" y="0"/>
+          <a:ext cx="0" cy="0"/>
+          <a:chOff x="0" y="0"/>
+          <a:chExt cx="0" cy="0"/>
+        </a:xfrm>
+      </p:grpSpPr>
+      <p:sp>
+        <p:nvSpPr>
+          <p:cNvPr id="4" name="Title 3">
+            <a:extLst>
+              <a:ext uri="{FF2B5EF4-FFF2-40B4-BE49-F238E27FC236}">
+                <a16:creationId xmlns:a16="http://schemas.microsoft.com/office/drawing/2014/main" id="{4CFD4528-2BB6-DA51-122A-993728681618}"/>
+              </a:ext>
+            </a:extLst>
+          </p:cNvPr>
+          <p:cNvSpPr>
+            <a:spLocks noGrp="1"/>
+          </p:cNvSpPr>
+          <p:nvPr>
+            <p:ph type="title"/>
+          </p:nvPr>
+        </p:nvSpPr>
+        <p:spPr/>
+        <p:txBody>
+          <a:bodyPr>
+            <a:normAutofit fontScale="90000"/>
+          </a:bodyPr>
+          <a:lstStyle/>
+          <a:p>
+            <a:r>
+              <a:rPr lang="en-CH" sz="3600" dirty="0"/>
+              <a:t>Generalized </a:t>
+            </a:r>
+            <a:r>
+              <a:rPr lang="en-CH" sz="3600" dirty="0" err="1"/>
+              <a:t>Effots</a:t>
+            </a:r>
+            <a:r>
+              <a:rPr lang="en-CH" sz="3600" dirty="0"/>
+              <a:t> &amp; Flow Variables</a:t>
+            </a:r>
+            <a:br>
+              <a:rPr lang="en-CH" sz="3600" dirty="0"/>
+            </a:br>
+            <a:r>
+              <a:rPr lang="en-CH" sz="2000" b="0" dirty="0">
+                <a:latin typeface="Inter Light" panose="02000403000000020004" pitchFamily="50" charset="0"/>
+                <a:ea typeface="Inter Light" panose="02000403000000020004" pitchFamily="50" charset="0"/>
+                <a:cs typeface="Inter Light" panose="02000403000000020004" pitchFamily="50" charset="0"/>
+              </a:rPr>
+              <a:t>Two Port Networks</a:t>
+            </a:r>
+            <a:endParaRPr lang="en-CH" sz="3600" b="0" dirty="0">
+              <a:latin typeface="Inter Light" panose="02000403000000020004" pitchFamily="50" charset="0"/>
+              <a:ea typeface="Inter Light" panose="02000403000000020004" pitchFamily="50" charset="0"/>
+              <a:cs typeface="Inter Light" panose="02000403000000020004" pitchFamily="50" charset="0"/>
+            </a:endParaRPr>
+          </a:p>
+        </p:txBody>
+      </p:sp>
+      <p:sp>
+        <p:nvSpPr>
+          <p:cNvPr id="7" name="Footer Placeholder 6">
+            <a:extLst>
+              <a:ext uri="{FF2B5EF4-FFF2-40B4-BE49-F238E27FC236}">
+                <a16:creationId xmlns:a16="http://schemas.microsoft.com/office/drawing/2014/main" id="{C2087B21-59E7-351E-453B-C0FB4499D72D}"/>
+              </a:ext>
+            </a:extLst>
+          </p:cNvPr>
+          <p:cNvSpPr>
+            <a:spLocks noGrp="1"/>
+          </p:cNvSpPr>
+          <p:nvPr>
+            <p:ph type="ftr" sz="quarter" idx="11"/>
+          </p:nvPr>
+        </p:nvSpPr>
+        <p:spPr>
+          <a:xfrm>
+            <a:off x="2188801" y="5444450"/>
+            <a:ext cx="4765672" cy="270000"/>
+          </a:xfrm>
+        </p:spPr>
+        <p:txBody>
+          <a:bodyPr/>
+          <a:lstStyle/>
+          <a:p>
+            <a:r>
+              <a:rPr lang="en-GB" dirty="0"/>
+              <a:t>Principles of Measurement Systems 4th Edition, John P. Bentley, p.</a:t>
+            </a:r>
+            <a:r>
+              <a:rPr lang="en-CH" dirty="0"/>
+              <a:t>84-93</a:t>
+            </a:r>
+          </a:p>
+        </p:txBody>
+      </p:sp>
+      <mc:AlternateContent xmlns:mc="http://schemas.openxmlformats.org/markup-compatibility/2006" xmlns:a14="http://schemas.microsoft.com/office/drawing/2010/main">
+        <mc:Choice Requires="a14">
+          <p:sp>
+            <p:nvSpPr>
+              <p:cNvPr id="3" name="Content Placeholder 2">
+                <a:extLst>
+                  <a:ext uri="{FF2B5EF4-FFF2-40B4-BE49-F238E27FC236}">
+                    <a16:creationId xmlns:a16="http://schemas.microsoft.com/office/drawing/2014/main" id="{EF1EF9A8-9387-6DFF-55A8-4DEB1951F2C2}"/>
+                  </a:ext>
+                </a:extLst>
+              </p:cNvPr>
+              <p:cNvSpPr>
+                <a:spLocks noGrp="1"/>
+              </p:cNvSpPr>
+              <p:nvPr>
+                <p:ph sz="quarter" idx="13"/>
+              </p:nvPr>
+            </p:nvSpPr>
+            <p:spPr/>
+            <p:txBody>
+              <a:bodyPr>
+                <a:normAutofit/>
+              </a:bodyPr>
+              <a:lstStyle/>
+              <a:p>
+                <a:r>
+                  <a:rPr lang="en-CH" sz="2000" b="1" dirty="0"/>
+                  <a:t>across</a:t>
+                </a:r>
+                <a:r>
+                  <a:rPr lang="en-CH" sz="2000" dirty="0"/>
+                  <a:t>/</a:t>
+                </a:r>
+                <a:r>
+                  <a:rPr lang="en-CH" sz="2000" b="1" dirty="0"/>
+                  <a:t>effort variable</a:t>
+                </a:r>
+                <a:r>
+                  <a:rPr lang="en-CH" sz="2000" dirty="0"/>
+                  <a:t> </a:t>
+                </a:r>
+                <a14:m>
+                  <m:oMath xmlns:m="http://schemas.openxmlformats.org/officeDocument/2006/math">
+                    <m:r>
+                      <a:rPr lang="en-CH" sz="2000" i="1" dirty="0" smtClean="0">
+                        <a:latin typeface="Cambria Math" panose="02040503050406030204" pitchFamily="18" charset="0"/>
+                      </a:rPr>
+                      <m:t>𝑦</m:t>
+                    </m:r>
+                  </m:oMath>
+                </a14:m>
+                <a:r>
+                  <a:rPr lang="en-CH" sz="2000" dirty="0"/>
+                  <a:t> (e</a:t>
+                </a:r>
+                <a:r>
+                  <a:rPr lang="en-GB" sz="2000" dirty="0"/>
+                  <a:t>.g.</a:t>
+                </a:r>
+                <a:r>
+                  <a:rPr lang="en-CH" sz="2000" dirty="0"/>
+                  <a:t> voltage)</a:t>
+                </a:r>
+              </a:p>
+              <a:p>
+                <a:r>
+                  <a:rPr lang="en-CH" sz="2000" b="1" dirty="0"/>
+                  <a:t>through</a:t>
+                </a:r>
+                <a:r>
+                  <a:rPr lang="en-CH" sz="2000" dirty="0"/>
+                  <a:t>/</a:t>
+                </a:r>
+                <a:r>
+                  <a:rPr lang="en-CH" sz="2000" b="1" dirty="0"/>
+                  <a:t>flow variable</a:t>
+                </a:r>
+                <a:r>
+                  <a:rPr lang="en-CH" sz="2000" dirty="0"/>
+                  <a:t> </a:t>
+                </a:r>
+                <a14:m>
+                  <m:oMath xmlns:m="http://schemas.openxmlformats.org/officeDocument/2006/math">
+                    <m:acc>
+                      <m:accPr>
+                        <m:chr m:val="̇"/>
+                        <m:ctrlPr>
+                          <a:rPr lang="en-CH" sz="2000" i="1" dirty="0" smtClean="0">
+                            <a:latin typeface="Cambria Math" panose="02040503050406030204" pitchFamily="18" charset="0"/>
+                          </a:rPr>
+                        </m:ctrlPr>
+                      </m:accPr>
+                      <m:e>
+                        <m:r>
+                          <a:rPr lang="en-CH" sz="2000" b="0" i="1" dirty="0" smtClean="0">
+                            <a:latin typeface="Cambria Math" panose="02040503050406030204" pitchFamily="18" charset="0"/>
+                          </a:rPr>
+                          <m:t>𝑥</m:t>
+                        </m:r>
+                      </m:e>
+                    </m:acc>
+                  </m:oMath>
+                </a14:m>
+                <a:r>
+                  <a:rPr lang="en-CH" sz="2000" dirty="0"/>
+                  <a:t> (e.g. current)</a:t>
+                </a:r>
+              </a:p>
+              <a:p>
+                <a:endParaRPr lang="en-CH" sz="2000" b="1" dirty="0"/>
+              </a:p>
+              <a:p>
+                <a:endParaRPr lang="en-CH" sz="2000" b="1" dirty="0"/>
+              </a:p>
+              <a:p>
+                <a:pPr marL="0" indent="0" algn="ctr">
+                  <a:buNone/>
+                </a:pPr>
+                <a:r>
+                  <a:rPr lang="en-CH" sz="2800" b="1" dirty="0"/>
+                  <a:t>Effort </a:t>
+                </a:r>
+                <a:r>
+                  <a:rPr lang="en-CH" sz="2800" dirty="0"/>
+                  <a:t>drives</a:t>
+                </a:r>
+                <a:r>
+                  <a:rPr lang="en-CH" sz="2800" b="1" dirty="0"/>
+                  <a:t> flow </a:t>
+                </a:r>
+                <a:r>
+                  <a:rPr lang="en-CH" sz="2800" dirty="0"/>
+                  <a:t>through</a:t>
+                </a:r>
+                <a:r>
+                  <a:rPr lang="en-CH" sz="2800" b="1" dirty="0"/>
+                  <a:t> </a:t>
+                </a:r>
+                <a:r>
+                  <a:rPr lang="en-CH" sz="2800" dirty="0"/>
+                  <a:t>an</a:t>
+                </a:r>
+                <a:r>
+                  <a:rPr lang="en-CH" sz="2800" b="1" dirty="0"/>
+                  <a:t> impedance</a:t>
+                </a:r>
+              </a:p>
+              <a:p>
+                <a:pPr marL="0" indent="0" algn="ctr">
+                  <a:buNone/>
+                </a:pPr>
+                <a:endParaRPr lang="en-CH" sz="2000" b="1" dirty="0"/>
+              </a:p>
+              <a:p>
+                <a:pPr marL="0" indent="0" algn="ctr">
+                  <a:buNone/>
+                </a:pPr>
+                <a:endParaRPr lang="en-CH" sz="2000" b="1" dirty="0"/>
+              </a:p>
+              <a:p>
+                <a14:m>
+                  <m:oMath xmlns:m="http://schemas.openxmlformats.org/officeDocument/2006/math">
+                    <m:r>
+                      <a:rPr lang="en-CH" sz="2000" b="0" i="1" smtClean="0">
+                        <a:latin typeface="Cambria Math" panose="02040503050406030204" pitchFamily="18" charset="0"/>
+                      </a:rPr>
+                      <m:t>𝑦</m:t>
+                    </m:r>
+                    <m:r>
+                      <a:rPr lang="en-CH" sz="2000" b="0" i="1" smtClean="0">
+                        <a:latin typeface="Cambria Math" panose="02040503050406030204" pitchFamily="18" charset="0"/>
+                      </a:rPr>
+                      <m:t>⋅</m:t>
+                    </m:r>
+                    <m:acc>
+                      <m:accPr>
+                        <m:chr m:val="̇"/>
+                        <m:ctrlPr>
+                          <a:rPr lang="en-CH" sz="2000" i="1" dirty="0">
+                            <a:latin typeface="Cambria Math" panose="02040503050406030204" pitchFamily="18" charset="0"/>
+                          </a:rPr>
+                        </m:ctrlPr>
+                      </m:accPr>
+                      <m:e>
+                        <m:r>
+                          <a:rPr lang="en-CH" sz="2000" i="1" dirty="0">
+                            <a:latin typeface="Cambria Math" panose="02040503050406030204" pitchFamily="18" charset="0"/>
+                          </a:rPr>
+                          <m:t>𝑥</m:t>
+                        </m:r>
+                      </m:e>
+                    </m:acc>
+                  </m:oMath>
+                </a14:m>
+                <a:r>
+                  <a:rPr lang="en-CH" sz="2000" dirty="0"/>
+                  <a:t> represents power in watts </a:t>
+                </a:r>
+                <a:r>
+                  <a:rPr lang="en-CH" sz="1600" dirty="0">
+                    <a:solidFill>
+                      <a:schemeClr val="bg2">
+                        <a:lumMod val="50000"/>
+                      </a:schemeClr>
+                    </a:solidFill>
+                  </a:rPr>
+                  <a:t>(</a:t>
+                </a:r>
+                <a:r>
+                  <a:rPr lang="en-CH" sz="1600" dirty="0" err="1">
+                    <a:solidFill>
+                      <a:schemeClr val="bg2">
+                        <a:lumMod val="50000"/>
+                      </a:schemeClr>
+                    </a:solidFill>
+                  </a:rPr>
+                  <a:t>thermo</a:t>
+                </a:r>
+                <a:r>
+                  <a:rPr lang="en-CH" sz="1600" dirty="0">
+                    <a:solidFill>
+                      <a:schemeClr val="bg2">
+                        <a:lumMod val="50000"/>
+                      </a:schemeClr>
+                    </a:solidFill>
+                  </a:rPr>
+                  <a:t> has watts + temperature)</a:t>
+                </a:r>
+              </a:p>
+              <a:p>
+                <a14:m>
+                  <m:oMath xmlns:m="http://schemas.openxmlformats.org/officeDocument/2006/math">
+                    <m:r>
+                      <a:rPr lang="en-CH" sz="2000" b="0" i="1" smtClean="0">
+                        <a:latin typeface="Cambria Math" panose="02040503050406030204" pitchFamily="18" charset="0"/>
+                      </a:rPr>
+                      <m:t>𝑦</m:t>
+                    </m:r>
+                    <m:r>
+                      <a:rPr lang="en-CH" sz="2000" b="0" i="1" smtClean="0">
+                        <a:latin typeface="Cambria Math" panose="02040503050406030204" pitchFamily="18" charset="0"/>
+                      </a:rPr>
+                      <m:t>/</m:t>
+                    </m:r>
+                    <m:acc>
+                      <m:accPr>
+                        <m:chr m:val="̇"/>
+                        <m:ctrlPr>
+                          <a:rPr lang="en-CH" sz="2000" i="1" dirty="0">
+                            <a:latin typeface="Cambria Math" panose="02040503050406030204" pitchFamily="18" charset="0"/>
+                          </a:rPr>
+                        </m:ctrlPr>
+                      </m:accPr>
+                      <m:e>
+                        <m:r>
+                          <a:rPr lang="en-CH" sz="2000" i="1" dirty="0">
+                            <a:latin typeface="Cambria Math" panose="02040503050406030204" pitchFamily="18" charset="0"/>
+                          </a:rPr>
+                          <m:t>𝑥</m:t>
+                        </m:r>
+                      </m:e>
+                    </m:acc>
+                  </m:oMath>
+                </a14:m>
+                <a:r>
+                  <a:rPr lang="en-CH" sz="2000" dirty="0"/>
+                  <a:t> represents impedance</a:t>
+                </a:r>
+              </a:p>
+            </p:txBody>
+          </p:sp>
+        </mc:Choice>
+        <mc:Fallback xmlns="">
+          <p:sp>
+            <p:nvSpPr>
+              <p:cNvPr id="3" name="Content Placeholder 2">
+                <a:extLst>
+                  <a:ext uri="{FF2B5EF4-FFF2-40B4-BE49-F238E27FC236}">
+                    <a16:creationId xmlns:a16="http://schemas.microsoft.com/office/drawing/2014/main" id="{EF1EF9A8-9387-6DFF-55A8-4DEB1951F2C2}"/>
+                  </a:ext>
+                </a:extLst>
+              </p:cNvPr>
+              <p:cNvSpPr>
+                <a:spLocks noGrp="1" noRot="1" noChangeAspect="1" noMove="1" noResize="1" noEditPoints="1" noAdjustHandles="1" noChangeArrowheads="1" noChangeShapeType="1" noTextEdit="1"/>
+              </p:cNvSpPr>
+              <p:nvPr>
+                <p:ph sz="quarter" idx="13"/>
+              </p:nvPr>
+            </p:nvSpPr>
+            <p:spPr>
+              <a:blipFill>
+                <a:blip r:embed="rId2"/>
+                <a:stretch>
+                  <a:fillRect l="-651" t="-1575"/>
+                </a:stretch>
+              </a:blipFill>
+            </p:spPr>
+            <p:txBody>
+              <a:bodyPr/>
+              <a:lstStyle/>
+              <a:p>
+                <a:r>
+                  <a:rPr lang="en-CH">
+                    <a:noFill/>
+                  </a:rPr>
+                  <a:t> </a:t>
+                </a:r>
+              </a:p>
+            </p:txBody>
+          </p:sp>
+        </mc:Fallback>
+      </mc:AlternateContent>
+    </p:spTree>
+    <p:extLst>
+      <p:ext uri="{BB962C8B-B14F-4D97-AF65-F5344CB8AC3E}">
+        <p14:creationId xmlns:p14="http://schemas.microsoft.com/office/powerpoint/2010/main" val="1844145405"/>
+      </p:ext>
+    </p:extLst>
+  </p:cSld>
+  <p:clrMapOvr>
+    <a:masterClrMapping/>
+  </p:clrMapOvr>
+</p:sld>
+</file>
+
+<file path=ppt/slides/slide9.xml><?xml version="1.0" encoding="utf-8"?>
+<p:sld xmlns:a="http://schemas.openxmlformats.org/drawingml/2006/main" xmlns:r="http://schemas.openxmlformats.org/officeDocument/2006/relationships" xmlns:p="http://schemas.openxmlformats.org/presentationml/2006/main">
+  <p:cSld>
+    <p:spTree>
+      <p:nvGrpSpPr>
+        <p:cNvPr id="1" name=""/>
+        <p:cNvGrpSpPr/>
+        <p:nvPr/>
+      </p:nvGrpSpPr>
+      <p:grpSpPr>
+        <a:xfrm>
+          <a:off x="0" y="0"/>
+          <a:ext cx="0" cy="0"/>
+          <a:chOff x="0" y="0"/>
+          <a:chExt cx="0" cy="0"/>
+        </a:xfrm>
+      </p:grpSpPr>
+      <p:sp>
+        <p:nvSpPr>
+          <p:cNvPr id="4" name="Title 3">
+            <a:extLst>
+              <a:ext uri="{FF2B5EF4-FFF2-40B4-BE49-F238E27FC236}">
+                <a16:creationId xmlns:a16="http://schemas.microsoft.com/office/drawing/2014/main" id="{4CFD4528-2BB6-DA51-122A-993728681618}"/>
+              </a:ext>
+            </a:extLst>
+          </p:cNvPr>
+          <p:cNvSpPr>
+            <a:spLocks noGrp="1"/>
+          </p:cNvSpPr>
+          <p:nvPr>
+            <p:ph type="title"/>
+          </p:nvPr>
+        </p:nvSpPr>
+        <p:spPr/>
+        <p:txBody>
+          <a:bodyPr/>
+          <a:lstStyle/>
+          <a:p>
+            <a:r>
+              <a:rPr lang="en-CH" dirty="0"/>
+              <a:t>Two-port networks</a:t>
+            </a:r>
+          </a:p>
+        </p:txBody>
+      </p:sp>
+      <p:sp>
+        <p:nvSpPr>
+          <p:cNvPr id="7" name="Footer Placeholder 6">
+            <a:extLst>
+              <a:ext uri="{FF2B5EF4-FFF2-40B4-BE49-F238E27FC236}">
+                <a16:creationId xmlns:a16="http://schemas.microsoft.com/office/drawing/2014/main" id="{C2087B21-59E7-351E-453B-C0FB4499D72D}"/>
+              </a:ext>
+            </a:extLst>
+          </p:cNvPr>
+          <p:cNvSpPr>
+            <a:spLocks noGrp="1"/>
+          </p:cNvSpPr>
+          <p:nvPr>
+            <p:ph type="ftr" sz="quarter" idx="11"/>
+          </p:nvPr>
+        </p:nvSpPr>
+        <p:spPr>
+          <a:xfrm>
+            <a:off x="2188801" y="5444450"/>
+            <a:ext cx="4765672" cy="270000"/>
+          </a:xfrm>
+        </p:spPr>
+        <p:txBody>
+          <a:bodyPr/>
+          <a:lstStyle/>
+          <a:p>
+            <a:r>
+              <a:rPr lang="en-GB" dirty="0"/>
+              <a:t>Principles of Measurement Systems 4th Edition, John P. Bentley, p.</a:t>
+            </a:r>
+            <a:r>
+              <a:rPr lang="en-CH" dirty="0"/>
+              <a:t>84-93</a:t>
+            </a:r>
+          </a:p>
+        </p:txBody>
+      </p:sp>
+      <p:pic>
+        <p:nvPicPr>
+          <p:cNvPr id="5" name="Content Placeholder 4">
+            <a:extLst>
+              <a:ext uri="{FF2B5EF4-FFF2-40B4-BE49-F238E27FC236}">
+                <a16:creationId xmlns:a16="http://schemas.microsoft.com/office/drawing/2014/main" id="{BBA67367-62DE-46CB-BCFD-B91AF3491C2D}"/>
+              </a:ext>
+            </a:extLst>
+          </p:cNvPr>
+          <p:cNvPicPr>
+            <a:picLocks noGrp="1" noChangeAspect="1"/>
+          </p:cNvPicPr>
+          <p:nvPr>
+            <p:ph sz="quarter" idx="13"/>
+          </p:nvPr>
+        </p:nvPicPr>
+        <p:blipFill rotWithShape="1">
+          <a:blip r:embed="rId3"/>
+          <a:srcRect t="1104" b="1225"/>
+          <a:stretch/>
+        </p:blipFill>
+        <p:spPr>
+          <a:xfrm>
+            <a:off x="360000" y="247015"/>
+            <a:ext cx="8424000" cy="4975860"/>
+          </a:xfrm>
+        </p:spPr>
+      </p:pic>
+    </p:spTree>
+    <p:extLst>
+      <p:ext uri="{BB962C8B-B14F-4D97-AF65-F5344CB8AC3E}">
+        <p14:creationId xmlns:p14="http://schemas.microsoft.com/office/powerpoint/2010/main" val="1186119132"/>
       </p:ext>
     </p:extLst>
   </p:cSld>
